--- a/presentations/Instrument_2_0/Instrument 2.0 Update.pptx
+++ b/presentations/Instrument_2_0/Instrument 2.0 Update.pptx
@@ -8,7 +8,7 @@
     <p:sldMasterId id="2147483655" r:id="rId4"/>
   </p:sldMasterIdLst>
   <p:notesMasterIdLst>
-    <p:notesMasterId r:id="rId42"/>
+    <p:notesMasterId r:id="rId41"/>
   </p:notesMasterIdLst>
   <p:sldIdLst>
     <p:sldId id="259" r:id="rId5"/>
@@ -39,15 +39,14 @@
     <p:sldId id="279" r:id="rId30"/>
     <p:sldId id="280" r:id="rId31"/>
     <p:sldId id="285" r:id="rId32"/>
-    <p:sldId id="284" r:id="rId33"/>
-    <p:sldId id="286" r:id="rId34"/>
-    <p:sldId id="282" r:id="rId35"/>
-    <p:sldId id="291" r:id="rId36"/>
-    <p:sldId id="287" r:id="rId37"/>
-    <p:sldId id="293" r:id="rId38"/>
-    <p:sldId id="294" r:id="rId39"/>
-    <p:sldId id="295" r:id="rId40"/>
-    <p:sldId id="296" r:id="rId41"/>
+    <p:sldId id="286" r:id="rId33"/>
+    <p:sldId id="282" r:id="rId34"/>
+    <p:sldId id="291" r:id="rId35"/>
+    <p:sldId id="287" r:id="rId36"/>
+    <p:sldId id="293" r:id="rId37"/>
+    <p:sldId id="294" r:id="rId38"/>
+    <p:sldId id="295" r:id="rId39"/>
+    <p:sldId id="296" r:id="rId40"/>
   </p:sldIdLst>
   <p:sldSz cx="9144000" cy="6858000" type="screen4x3"/>
   <p:notesSz cx="6858000" cy="9144000"/>
@@ -6966,214 +6965,6 @@
                 </a:spcBef>
               </a:pPr>
               <a:t>36</a:t>
-            </a:fld>
-            <a:endParaRPr lang="en-US" altLang="en-US" smtClean="0"/>
-          </a:p>
-        </p:txBody>
-      </p:sp>
-      <p:sp>
-        <p:nvSpPr>
-          <p:cNvPr id="10243" name="Rectangle 2"/>
-          <p:cNvSpPr>
-            <a:spLocks noGrp="1" noRot="1" noChangeAspect="1" noChangeArrowheads="1" noTextEdit="1"/>
-          </p:cNvSpPr>
-          <p:nvPr>
-            <p:ph type="sldImg"/>
-          </p:nvPr>
-        </p:nvSpPr>
-        <p:spPr>
-          <a:ln/>
-        </p:spPr>
-      </p:sp>
-      <p:sp>
-        <p:nvSpPr>
-          <p:cNvPr id="10244" name="Rectangle 3"/>
-          <p:cNvSpPr>
-            <a:spLocks noGrp="1" noChangeArrowheads="1"/>
-          </p:cNvSpPr>
-          <p:nvPr>
-            <p:ph type="body" idx="1"/>
-          </p:nvPr>
-        </p:nvSpPr>
-        <p:spPr>
-          <a:noFill/>
-        </p:spPr>
-        <p:txBody>
-          <a:bodyPr/>
-          <a:lstStyle/>
-          <a:p>
-            <a:pPr eaLnBrk="1" hangingPunct="1"/>
-            <a:endParaRPr lang="en-US" altLang="en-US" dirty="0" smtClean="0"/>
-          </a:p>
-        </p:txBody>
-      </p:sp>
-    </p:spTree>
-  </p:cSld>
-  <p:clrMapOvr>
-    <a:masterClrMapping/>
-  </p:clrMapOvr>
-</p:notes>
-</file>
-
-<file path=ppt/notesSlides/notesSlide37.xml><?xml version="1.0" encoding="utf-8"?>
-<p:notes xmlns:a="http://schemas.openxmlformats.org/drawingml/2006/main" xmlns:r="http://schemas.openxmlformats.org/officeDocument/2006/relationships" xmlns:p="http://schemas.openxmlformats.org/presentationml/2006/main">
-  <p:cSld>
-    <p:spTree>
-      <p:nvGrpSpPr>
-        <p:cNvPr id="1" name=""/>
-        <p:cNvGrpSpPr/>
-        <p:nvPr/>
-      </p:nvGrpSpPr>
-      <p:grpSpPr>
-        <a:xfrm>
-          <a:off x="0" y="0"/>
-          <a:ext cx="0" cy="0"/>
-          <a:chOff x="0" y="0"/>
-          <a:chExt cx="0" cy="0"/>
-        </a:xfrm>
-      </p:grpSpPr>
-      <p:sp>
-        <p:nvSpPr>
-          <p:cNvPr id="10242" name="Rectangle 7"/>
-          <p:cNvSpPr>
-            <a:spLocks noGrp="1" noChangeArrowheads="1"/>
-          </p:cNvSpPr>
-          <p:nvPr>
-            <p:ph type="sldNum" sz="quarter" idx="5"/>
-          </p:nvPr>
-        </p:nvSpPr>
-        <p:spPr>
-          <a:noFill/>
-        </p:spPr>
-        <p:txBody>
-          <a:bodyPr/>
-          <a:lstStyle>
-            <a:lvl1pPr eaLnBrk="0" hangingPunct="0">
-              <a:spcBef>
-                <a:spcPct val="30000"/>
-              </a:spcBef>
-              <a:defRPr sz="1200">
-                <a:solidFill>
-                  <a:schemeClr val="tx1"/>
-                </a:solidFill>
-                <a:latin typeface="Arial" charset="0"/>
-              </a:defRPr>
-            </a:lvl1pPr>
-            <a:lvl2pPr marL="742950" indent="-285750" eaLnBrk="0" hangingPunct="0">
-              <a:spcBef>
-                <a:spcPct val="30000"/>
-              </a:spcBef>
-              <a:defRPr sz="1200">
-                <a:solidFill>
-                  <a:schemeClr val="tx1"/>
-                </a:solidFill>
-                <a:latin typeface="Arial" charset="0"/>
-              </a:defRPr>
-            </a:lvl2pPr>
-            <a:lvl3pPr marL="1143000" indent="-228600" eaLnBrk="0" hangingPunct="0">
-              <a:spcBef>
-                <a:spcPct val="30000"/>
-              </a:spcBef>
-              <a:defRPr sz="1200">
-                <a:solidFill>
-                  <a:schemeClr val="tx1"/>
-                </a:solidFill>
-                <a:latin typeface="Arial" charset="0"/>
-              </a:defRPr>
-            </a:lvl3pPr>
-            <a:lvl4pPr marL="1600200" indent="-228600" eaLnBrk="0" hangingPunct="0">
-              <a:spcBef>
-                <a:spcPct val="30000"/>
-              </a:spcBef>
-              <a:defRPr sz="1200">
-                <a:solidFill>
-                  <a:schemeClr val="tx1"/>
-                </a:solidFill>
-                <a:latin typeface="Arial" charset="0"/>
-              </a:defRPr>
-            </a:lvl4pPr>
-            <a:lvl5pPr marL="2057400" indent="-228600" eaLnBrk="0" hangingPunct="0">
-              <a:spcBef>
-                <a:spcPct val="30000"/>
-              </a:spcBef>
-              <a:defRPr sz="1200">
-                <a:solidFill>
-                  <a:schemeClr val="tx1"/>
-                </a:solidFill>
-                <a:latin typeface="Arial" charset="0"/>
-              </a:defRPr>
-            </a:lvl5pPr>
-            <a:lvl6pPr marL="2514600" indent="-228600" eaLnBrk="0" fontAlgn="base" hangingPunct="0">
-              <a:spcBef>
-                <a:spcPct val="30000"/>
-              </a:spcBef>
-              <a:spcAft>
-                <a:spcPct val="0"/>
-              </a:spcAft>
-              <a:defRPr sz="1200">
-                <a:solidFill>
-                  <a:schemeClr val="tx1"/>
-                </a:solidFill>
-                <a:latin typeface="Arial" charset="0"/>
-              </a:defRPr>
-            </a:lvl6pPr>
-            <a:lvl7pPr marL="2971800" indent="-228600" eaLnBrk="0" fontAlgn="base" hangingPunct="0">
-              <a:spcBef>
-                <a:spcPct val="30000"/>
-              </a:spcBef>
-              <a:spcAft>
-                <a:spcPct val="0"/>
-              </a:spcAft>
-              <a:defRPr sz="1200">
-                <a:solidFill>
-                  <a:schemeClr val="tx1"/>
-                </a:solidFill>
-                <a:latin typeface="Arial" charset="0"/>
-              </a:defRPr>
-            </a:lvl7pPr>
-            <a:lvl8pPr marL="3429000" indent="-228600" eaLnBrk="0" fontAlgn="base" hangingPunct="0">
-              <a:spcBef>
-                <a:spcPct val="30000"/>
-              </a:spcBef>
-              <a:spcAft>
-                <a:spcPct val="0"/>
-              </a:spcAft>
-              <a:defRPr sz="1200">
-                <a:solidFill>
-                  <a:schemeClr val="tx1"/>
-                </a:solidFill>
-                <a:latin typeface="Arial" charset="0"/>
-              </a:defRPr>
-            </a:lvl8pPr>
-            <a:lvl9pPr marL="3886200" indent="-228600" eaLnBrk="0" fontAlgn="base" hangingPunct="0">
-              <a:spcBef>
-                <a:spcPct val="30000"/>
-              </a:spcBef>
-              <a:spcAft>
-                <a:spcPct val="0"/>
-              </a:spcAft>
-              <a:defRPr sz="1200">
-                <a:solidFill>
-                  <a:schemeClr val="tx1"/>
-                </a:solidFill>
-                <a:latin typeface="Arial" charset="0"/>
-              </a:defRPr>
-            </a:lvl9pPr>
-          </a:lstStyle>
-          <a:p>
-            <a:pPr eaLnBrk="1" hangingPunct="1">
-              <a:spcBef>
-                <a:spcPct val="0"/>
-              </a:spcBef>
-            </a:pPr>
-            <a:fld id="{2F1E3214-601C-42C7-9D33-F7FF9DEB866C}" type="slidenum">
-              <a:rPr lang="en-US" altLang="en-US" smtClean="0"/>
-              <a:pPr eaLnBrk="1" hangingPunct="1">
-                <a:spcBef>
-                  <a:spcPct val="0"/>
-                </a:spcBef>
-              </a:pPr>
-              <a:t>37</a:t>
             </a:fld>
             <a:endParaRPr lang="en-US" altLang="en-US" smtClean="0"/>
           </a:p>
@@ -21124,15 +20915,7 @@
             </a:pPr>
             <a:r>
               <a:rPr lang="en-GB" sz="1600" dirty="0" smtClean="0"/>
-              <a:t>Investment </a:t>
-            </a:r>
-            <a:r>
-              <a:rPr lang="en-GB" sz="1600" dirty="0" smtClean="0"/>
-              <a:t>from ILL for </a:t>
-            </a:r>
-            <a:r>
-              <a:rPr lang="en-GB" sz="1600" dirty="0" smtClean="0"/>
-              <a:t>scanning due to a need for scanning support.</a:t>
+              <a:t>Investment from ILL for scanning due to a need for scanning support.</a:t>
             </a:r>
           </a:p>
           <a:p>
@@ -21174,11 +20957,7 @@
             </a:r>
             <a:r>
               <a:rPr lang="en-GB" sz="1600" dirty="0" smtClean="0"/>
-              <a:t>changes</a:t>
-            </a:r>
-            <a:r>
-              <a:rPr lang="en-GB" sz="1600" dirty="0" smtClean="0"/>
-              <a:t>.</a:t>
+              <a:t>changes.</a:t>
             </a:r>
           </a:p>
           <a:p>
@@ -21459,8 +21238,26 @@
                 <a:latin typeface="Arial" panose="020B0604020202020204" pitchFamily="34" charset="0"/>
                 <a:cs typeface="Arial" panose="020B0604020202020204" pitchFamily="34" charset="0"/>
               </a:rPr>
-              <a:t>An order of magnitude improvement in speed on write.</a:t>
-            </a:r>
+              <a:t>An order of magnitude improvement in speed </a:t>
+            </a:r>
+            <a:r>
+              <a:rPr lang="en-GB" sz="1600" dirty="0" smtClean="0">
+                <a:latin typeface="Arial" panose="020B0604020202020204" pitchFamily="34" charset="0"/>
+                <a:cs typeface="Arial" panose="020B0604020202020204" pitchFamily="34" charset="0"/>
+              </a:rPr>
+              <a:t>for</a:t>
+            </a:r>
+            <a:r>
+              <a:rPr lang="en-GB" sz="1600" dirty="0" smtClean="0">
+                <a:latin typeface="Arial" panose="020B0604020202020204" pitchFamily="34" charset="0"/>
+                <a:cs typeface="Arial" panose="020B0604020202020204" pitchFamily="34" charset="0"/>
+              </a:rPr>
+              <a:t> writes.</a:t>
+            </a:r>
+            <a:endParaRPr lang="en-GB" sz="1600" dirty="0" smtClean="0">
+              <a:latin typeface="Arial" panose="020B0604020202020204" pitchFamily="34" charset="0"/>
+              <a:cs typeface="Arial" panose="020B0604020202020204" pitchFamily="34" charset="0"/>
+            </a:endParaRPr>
           </a:p>
           <a:p>
             <a:pPr marL="285750" indent="-285750">
@@ -21491,19 +21288,15 @@
             </a:r>
             <a:r>
               <a:rPr lang="en-GB" sz="1600" dirty="0" smtClean="0"/>
-              <a:t>component </a:t>
+              <a:t>component assemblies. Flat tree </a:t>
+            </a:r>
+            <a:r>
+              <a:rPr lang="en-GB" sz="1600" dirty="0"/>
+              <a:t>data structure of new layers made this </a:t>
             </a:r>
             <a:r>
               <a:rPr lang="en-GB" sz="1600" dirty="0" smtClean="0"/>
-              <a:t>assemblies. </a:t>
-            </a:r>
-            <a:r>
-              <a:rPr lang="en-GB" sz="1600" dirty="0" smtClean="0"/>
-              <a:t>Flat tree </a:t>
-            </a:r>
-            <a:r>
-              <a:rPr lang="en-GB" sz="1600" dirty="0"/>
-              <a:t>data structure of new layers made this possible</a:t>
+              <a:t>possible.</a:t>
             </a:r>
             <a:endParaRPr lang="en-GB" sz="1600" dirty="0" smtClean="0">
               <a:latin typeface="Arial" panose="020B0604020202020204" pitchFamily="34" charset="0"/>
@@ -21696,7 +21489,7 @@
         <p:spPr>
           <a:xfrm>
             <a:off x="1043608" y="1412776"/>
-            <a:ext cx="6120680" cy="5509200"/>
+            <a:ext cx="6120680" cy="4401205"/>
           </a:xfrm>
           <a:prstGeom prst="rect">
             <a:avLst/>
@@ -21758,15 +21551,7 @@
             </a:pPr>
             <a:r>
               <a:rPr lang="en-GB" dirty="0" smtClean="0"/>
-              <a:t>There is no inheritance structure as with Component. </a:t>
-            </a:r>
-            <a:r>
-              <a:rPr lang="en-GB" dirty="0" smtClean="0"/>
-              <a:t>Some Type </a:t>
-            </a:r>
-            <a:r>
-              <a:rPr lang="en-GB" dirty="0" smtClean="0"/>
-              <a:t>information is however still preserved e.g. </a:t>
+              <a:t>There is no inheritance structure as with Component. Some Type information is however still preserved e.g. </a:t>
             </a:r>
             <a:r>
               <a:rPr lang="en-GB" dirty="0" smtClean="0">
@@ -21804,63 +21589,8 @@
               <a:rPr lang="en-GB" dirty="0" smtClean="0"/>
               <a:t>box calculations.</a:t>
             </a:r>
-            <a:endParaRPr lang="en-GB" dirty="0" smtClean="0"/>
-          </a:p>
-          <a:p>
-            <a:pPr marL="285750" indent="-285750">
-              <a:buFont typeface="Arial" panose="020B0604020202020204" pitchFamily="34" charset="0"/>
-              <a:buChar char="•"/>
-            </a:pPr>
-            <a:endParaRPr lang="en-GB" dirty="0"/>
-          </a:p>
-          <a:p>
-            <a:pPr marL="285750" lvl="0" indent="-285750">
-              <a:buFont typeface="Arial" panose="020B0604020202020204" pitchFamily="34" charset="0"/>
-              <a:buChar char="•"/>
-            </a:pPr>
-            <a:r>
-              <a:rPr lang="en-GB" b="1" dirty="0"/>
-              <a:t>DO NOT</a:t>
-            </a:r>
-            <a:r>
-              <a:rPr lang="en-GB" dirty="0"/>
-              <a:t> extend </a:t>
-            </a:r>
-            <a:r>
-              <a:rPr lang="en-GB" dirty="0" err="1">
-                <a:latin typeface="Consolas" panose="020B0609020204030204" pitchFamily="49" charset="0"/>
-              </a:rPr>
-              <a:t>IObjComponent</a:t>
-            </a:r>
-            <a:r>
-              <a:rPr lang="en-GB" dirty="0"/>
-              <a:t> or </a:t>
-            </a:r>
-            <a:r>
-              <a:rPr lang="en-GB" dirty="0" err="1">
-                <a:latin typeface="Consolas" panose="020B0609020204030204" pitchFamily="49" charset="0"/>
-              </a:rPr>
-              <a:t>IComponent</a:t>
-            </a:r>
-            <a:r>
-              <a:rPr lang="en-GB" dirty="0"/>
-              <a:t> as these are essentially </a:t>
-            </a:r>
-            <a:r>
-              <a:rPr lang="en-GB" dirty="0" smtClean="0"/>
-              <a:t>not used for </a:t>
-            </a:r>
-            <a:r>
-              <a:rPr lang="en-GB" dirty="0"/>
-              <a:t>real parts of the data reduction. </a:t>
-            </a:r>
-            <a:endParaRPr lang="en-GB" dirty="0" smtClean="0"/>
-          </a:p>
-          <a:p>
-            <a:pPr marL="285750" indent="-285750">
-              <a:buFont typeface="Arial" panose="020B0604020202020204" pitchFamily="34" charset="0"/>
-              <a:buChar char="•"/>
-            </a:pPr>
+          </a:p>
+          <a:p>
             <a:endParaRPr lang="en-GB" dirty="0"/>
           </a:p>
           <a:p>
@@ -32093,36 +31823,6 @@
           </a:p>
         </p:txBody>
       </p:sp>
-      <p:sp>
-        <p:nvSpPr>
-          <p:cNvPr id="3" name="TextBox 2"/>
-          <p:cNvSpPr txBox="1"/>
-          <p:nvPr/>
-        </p:nvSpPr>
-        <p:spPr>
-          <a:xfrm>
-            <a:off x="1835696" y="1228110"/>
-            <a:ext cx="5827236" cy="369332"/>
-          </a:xfrm>
-          <a:prstGeom prst="rect">
-            <a:avLst/>
-          </a:prstGeom>
-          <a:noFill/>
-        </p:spPr>
-        <p:txBody>
-          <a:bodyPr wrap="none" rtlCol="0">
-            <a:spAutoFit/>
-          </a:bodyPr>
-          <a:lstStyle/>
-          <a:p>
-            <a:r>
-              <a:rPr lang="en-GB" dirty="0" smtClean="0"/>
-              <a:t>Relationship Between ComponentInfo and DetectorInfo</a:t>
-            </a:r>
-            <a:endParaRPr lang="en-GB" dirty="0"/>
-          </a:p>
-        </p:txBody>
-      </p:sp>
       <p:pic>
         <p:nvPicPr>
           <p:cNvPr id="111618" name="Picture 2" descr="C:\Users\bpe14858\Downloads\tree.png"/>
@@ -32532,36 +32232,6 @@
           </a:p>
         </p:txBody>
       </p:sp>
-      <p:sp>
-        <p:nvSpPr>
-          <p:cNvPr id="3" name="TextBox 2"/>
-          <p:cNvSpPr txBox="1"/>
-          <p:nvPr/>
-        </p:nvSpPr>
-        <p:spPr>
-          <a:xfrm>
-            <a:off x="1835696" y="1228110"/>
-            <a:ext cx="5827236" cy="369332"/>
-          </a:xfrm>
-          <a:prstGeom prst="rect">
-            <a:avLst/>
-          </a:prstGeom>
-          <a:noFill/>
-        </p:spPr>
-        <p:txBody>
-          <a:bodyPr wrap="none" rtlCol="0">
-            <a:spAutoFit/>
-          </a:bodyPr>
-          <a:lstStyle/>
-          <a:p>
-            <a:r>
-              <a:rPr lang="en-GB" dirty="0" smtClean="0"/>
-              <a:t>Relationship Between ComponentInfo and DetectorInfo</a:t>
-            </a:r>
-            <a:endParaRPr lang="en-GB" dirty="0"/>
-          </a:p>
-        </p:txBody>
-      </p:sp>
       <p:pic>
         <p:nvPicPr>
           <p:cNvPr id="111618" name="Picture 2" descr="C:\Users\bpe14858\Downloads\tree.png"/>
@@ -33001,36 +32671,6 @@
           </a:p>
         </p:txBody>
       </p:sp>
-      <p:sp>
-        <p:nvSpPr>
-          <p:cNvPr id="3" name="TextBox 2"/>
-          <p:cNvSpPr txBox="1"/>
-          <p:nvPr/>
-        </p:nvSpPr>
-        <p:spPr>
-          <a:xfrm>
-            <a:off x="1835696" y="1228110"/>
-            <a:ext cx="5827236" cy="369332"/>
-          </a:xfrm>
-          <a:prstGeom prst="rect">
-            <a:avLst/>
-          </a:prstGeom>
-          <a:noFill/>
-        </p:spPr>
-        <p:txBody>
-          <a:bodyPr wrap="none" rtlCol="0">
-            <a:spAutoFit/>
-          </a:bodyPr>
-          <a:lstStyle/>
-          <a:p>
-            <a:r>
-              <a:rPr lang="en-GB" dirty="0" smtClean="0"/>
-              <a:t>Relationship Between ComponentInfo and DetectorInfo</a:t>
-            </a:r>
-            <a:endParaRPr lang="en-GB" dirty="0"/>
-          </a:p>
-        </p:txBody>
-      </p:sp>
       <p:pic>
         <p:nvPicPr>
           <p:cNvPr id="111618" name="Picture 2" descr="C:\Users\bpe14858\Downloads\tree.png"/>
@@ -33499,36 +33139,6 @@
           </a:p>
         </p:txBody>
       </p:sp>
-      <p:sp>
-        <p:nvSpPr>
-          <p:cNvPr id="3" name="TextBox 2"/>
-          <p:cNvSpPr txBox="1"/>
-          <p:nvPr/>
-        </p:nvSpPr>
-        <p:spPr>
-          <a:xfrm>
-            <a:off x="1835696" y="1228110"/>
-            <a:ext cx="5827236" cy="369332"/>
-          </a:xfrm>
-          <a:prstGeom prst="rect">
-            <a:avLst/>
-          </a:prstGeom>
-          <a:noFill/>
-        </p:spPr>
-        <p:txBody>
-          <a:bodyPr wrap="none" rtlCol="0">
-            <a:spAutoFit/>
-          </a:bodyPr>
-          <a:lstStyle/>
-          <a:p>
-            <a:r>
-              <a:rPr lang="en-GB" dirty="0" smtClean="0"/>
-              <a:t>Relationship Between ComponentInfo and DetectorInfo</a:t>
-            </a:r>
-            <a:endParaRPr lang="en-GB" dirty="0"/>
-          </a:p>
-        </p:txBody>
-      </p:sp>
       <p:pic>
         <p:nvPicPr>
           <p:cNvPr id="111618" name="Picture 2" descr="C:\Users\bpe14858\Downloads\tree.png"/>
@@ -34035,7 +33645,7 @@
         <p:spPr>
           <a:xfrm>
             <a:off x="3205665" y="2204864"/>
-            <a:ext cx="3719288" cy="1938992"/>
+            <a:ext cx="3719288" cy="2308324"/>
           </a:xfrm>
           <a:prstGeom prst="rect">
             <a:avLst/>
@@ -34063,10 +33673,9 @@
               <a:buAutoNum type="arabicPeriod"/>
             </a:pPr>
             <a:r>
-              <a:rPr lang="en-GB" sz="2400" dirty="0" err="1" smtClean="0"/>
-              <a:t>RoadMap</a:t>
-            </a:r>
-            <a:endParaRPr lang="en-GB" sz="2400" dirty="0" smtClean="0"/>
+              <a:rPr lang="en-GB" sz="2400" dirty="0" smtClean="0"/>
+              <a:t>Prototyping</a:t>
+            </a:r>
           </a:p>
           <a:p>
             <a:pPr marL="342900" indent="-342900">
@@ -34075,8 +33684,9 @@
             </a:pPr>
             <a:r>
               <a:rPr lang="en-GB" sz="2400" dirty="0" smtClean="0"/>
-              <a:t>Rollout and Challenges</a:t>
-            </a:r>
+              <a:t>Implementation</a:t>
+            </a:r>
+            <a:endParaRPr lang="en-GB" sz="2400" dirty="0" smtClean="0"/>
           </a:p>
           <a:p>
             <a:pPr marL="342900" indent="-342900">
@@ -34085,8 +33695,19 @@
             </a:pPr>
             <a:r>
               <a:rPr lang="en-GB" sz="2400" dirty="0" smtClean="0"/>
-              <a:t>Instrument View</a:t>
-            </a:r>
+              <a:t>Rollout and Challenges</a:t>
+            </a:r>
+          </a:p>
+          <a:p>
+            <a:pPr marL="342900" indent="-342900">
+              <a:buFont typeface="+mj-lt"/>
+              <a:buAutoNum type="arabicPeriod"/>
+            </a:pPr>
+            <a:r>
+              <a:rPr lang="en-GB" sz="2400" dirty="0" smtClean="0"/>
+              <a:t>Future</a:t>
+            </a:r>
+            <a:endParaRPr lang="en-GB" sz="2400" dirty="0" smtClean="0"/>
           </a:p>
           <a:p>
             <a:pPr marL="342900" indent="-342900">
@@ -34165,36 +33786,6 @@
           </a:p>
         </p:txBody>
       </p:sp>
-      <p:sp>
-        <p:nvSpPr>
-          <p:cNvPr id="3" name="TextBox 2"/>
-          <p:cNvSpPr txBox="1"/>
-          <p:nvPr/>
-        </p:nvSpPr>
-        <p:spPr>
-          <a:xfrm>
-            <a:off x="1835696" y="1228110"/>
-            <a:ext cx="5827236" cy="369332"/>
-          </a:xfrm>
-          <a:prstGeom prst="rect">
-            <a:avLst/>
-          </a:prstGeom>
-          <a:noFill/>
-        </p:spPr>
-        <p:txBody>
-          <a:bodyPr wrap="none" rtlCol="0">
-            <a:spAutoFit/>
-          </a:bodyPr>
-          <a:lstStyle/>
-          <a:p>
-            <a:r>
-              <a:rPr lang="en-GB" dirty="0" smtClean="0"/>
-              <a:t>Relationship Between ComponentInfo and DetectorInfo</a:t>
-            </a:r>
-            <a:endParaRPr lang="en-GB" dirty="0"/>
-          </a:p>
-        </p:txBody>
-      </p:sp>
       <p:pic>
         <p:nvPicPr>
           <p:cNvPr id="111618" name="Picture 2" descr="C:\Users\bpe14858\Downloads\tree.png"/>
@@ -34722,36 +34313,6 @@
           </a:p>
         </p:txBody>
       </p:sp>
-      <p:sp>
-        <p:nvSpPr>
-          <p:cNvPr id="3" name="TextBox 2"/>
-          <p:cNvSpPr txBox="1"/>
-          <p:nvPr/>
-        </p:nvSpPr>
-        <p:spPr>
-          <a:xfrm>
-            <a:off x="1835696" y="1228110"/>
-            <a:ext cx="5827236" cy="369332"/>
-          </a:xfrm>
-          <a:prstGeom prst="rect">
-            <a:avLst/>
-          </a:prstGeom>
-          <a:noFill/>
-        </p:spPr>
-        <p:txBody>
-          <a:bodyPr wrap="none" rtlCol="0">
-            <a:spAutoFit/>
-          </a:bodyPr>
-          <a:lstStyle/>
-          <a:p>
-            <a:r>
-              <a:rPr lang="en-GB" dirty="0" smtClean="0"/>
-              <a:t>Relationship Between ComponentInfo and DetectorInfo</a:t>
-            </a:r>
-            <a:endParaRPr lang="en-GB" dirty="0"/>
-          </a:p>
-        </p:txBody>
-      </p:sp>
       <p:pic>
         <p:nvPicPr>
           <p:cNvPr id="111618" name="Picture 2" descr="C:\Users\bpe14858\Downloads\tree.png"/>
@@ -35309,36 +34870,6 @@
           </a:p>
         </p:txBody>
       </p:sp>
-      <p:sp>
-        <p:nvSpPr>
-          <p:cNvPr id="3" name="TextBox 2"/>
-          <p:cNvSpPr txBox="1"/>
-          <p:nvPr/>
-        </p:nvSpPr>
-        <p:spPr>
-          <a:xfrm>
-            <a:off x="1835696" y="1228110"/>
-            <a:ext cx="5827236" cy="369332"/>
-          </a:xfrm>
-          <a:prstGeom prst="rect">
-            <a:avLst/>
-          </a:prstGeom>
-          <a:noFill/>
-        </p:spPr>
-        <p:txBody>
-          <a:bodyPr wrap="none" rtlCol="0">
-            <a:spAutoFit/>
-          </a:bodyPr>
-          <a:lstStyle/>
-          <a:p>
-            <a:r>
-              <a:rPr lang="en-GB" dirty="0" smtClean="0"/>
-              <a:t>Relationship Between ComponentInfo and DetectorInfo</a:t>
-            </a:r>
-            <a:endParaRPr lang="en-GB" dirty="0"/>
-          </a:p>
-        </p:txBody>
-      </p:sp>
       <p:pic>
         <p:nvPicPr>
           <p:cNvPr id="111618" name="Picture 2" descr="C:\Users\bpe14858\Downloads\tree.png"/>
@@ -35926,36 +35457,6 @@
           </a:p>
         </p:txBody>
       </p:sp>
-      <p:sp>
-        <p:nvSpPr>
-          <p:cNvPr id="3" name="TextBox 2"/>
-          <p:cNvSpPr txBox="1"/>
-          <p:nvPr/>
-        </p:nvSpPr>
-        <p:spPr>
-          <a:xfrm>
-            <a:off x="1835696" y="1228110"/>
-            <a:ext cx="5827236" cy="369332"/>
-          </a:xfrm>
-          <a:prstGeom prst="rect">
-            <a:avLst/>
-          </a:prstGeom>
-          <a:noFill/>
-        </p:spPr>
-        <p:txBody>
-          <a:bodyPr wrap="none" rtlCol="0">
-            <a:spAutoFit/>
-          </a:bodyPr>
-          <a:lstStyle/>
-          <a:p>
-            <a:r>
-              <a:rPr lang="en-GB" dirty="0" smtClean="0"/>
-              <a:t>Relationship Between ComponentInfo and DetectorInfo</a:t>
-            </a:r>
-            <a:endParaRPr lang="en-GB" dirty="0"/>
-          </a:p>
-        </p:txBody>
-      </p:sp>
       <p:pic>
         <p:nvPicPr>
           <p:cNvPr id="111618" name="Picture 2" descr="C:\Users\bpe14858\Downloads\tree.png"/>
@@ -36572,36 +36073,6 @@
           </a:p>
         </p:txBody>
       </p:sp>
-      <p:sp>
-        <p:nvSpPr>
-          <p:cNvPr id="3" name="TextBox 2"/>
-          <p:cNvSpPr txBox="1"/>
-          <p:nvPr/>
-        </p:nvSpPr>
-        <p:spPr>
-          <a:xfrm>
-            <a:off x="1835696" y="1228110"/>
-            <a:ext cx="5827236" cy="369332"/>
-          </a:xfrm>
-          <a:prstGeom prst="rect">
-            <a:avLst/>
-          </a:prstGeom>
-          <a:noFill/>
-        </p:spPr>
-        <p:txBody>
-          <a:bodyPr wrap="none" rtlCol="0">
-            <a:spAutoFit/>
-          </a:bodyPr>
-          <a:lstStyle/>
-          <a:p>
-            <a:r>
-              <a:rPr lang="en-GB" dirty="0" smtClean="0"/>
-              <a:t>Relationship Between ComponentInfo and DetectorInfo</a:t>
-            </a:r>
-            <a:endParaRPr lang="en-GB" dirty="0"/>
-          </a:p>
-        </p:txBody>
-      </p:sp>
       <p:pic>
         <p:nvPicPr>
           <p:cNvPr id="111618" name="Picture 2" descr="C:\Users\bpe14858\Downloads\tree.png"/>
@@ -37248,36 +36719,6 @@
           </a:p>
         </p:txBody>
       </p:sp>
-      <p:sp>
-        <p:nvSpPr>
-          <p:cNvPr id="3" name="TextBox 2"/>
-          <p:cNvSpPr txBox="1"/>
-          <p:nvPr/>
-        </p:nvSpPr>
-        <p:spPr>
-          <a:xfrm>
-            <a:off x="1835696" y="1228110"/>
-            <a:ext cx="5827236" cy="369332"/>
-          </a:xfrm>
-          <a:prstGeom prst="rect">
-            <a:avLst/>
-          </a:prstGeom>
-          <a:noFill/>
-        </p:spPr>
-        <p:txBody>
-          <a:bodyPr wrap="none" rtlCol="0">
-            <a:spAutoFit/>
-          </a:bodyPr>
-          <a:lstStyle/>
-          <a:p>
-            <a:r>
-              <a:rPr lang="en-GB" dirty="0" smtClean="0"/>
-              <a:t>Relationship Between ComponentInfo and DetectorInfo</a:t>
-            </a:r>
-            <a:endParaRPr lang="en-GB" dirty="0"/>
-          </a:p>
-        </p:txBody>
-      </p:sp>
       <p:pic>
         <p:nvPicPr>
           <p:cNvPr id="111618" name="Picture 2" descr="C:\Users\bpe14858\Downloads\tree.png"/>
@@ -37953,36 +37394,6 @@
           </a:p>
         </p:txBody>
       </p:sp>
-      <p:sp>
-        <p:nvSpPr>
-          <p:cNvPr id="3" name="TextBox 2"/>
-          <p:cNvSpPr txBox="1"/>
-          <p:nvPr/>
-        </p:nvSpPr>
-        <p:spPr>
-          <a:xfrm>
-            <a:off x="1835696" y="1228110"/>
-            <a:ext cx="5827236" cy="369332"/>
-          </a:xfrm>
-          <a:prstGeom prst="rect">
-            <a:avLst/>
-          </a:prstGeom>
-          <a:noFill/>
-        </p:spPr>
-        <p:txBody>
-          <a:bodyPr wrap="none" rtlCol="0">
-            <a:spAutoFit/>
-          </a:bodyPr>
-          <a:lstStyle/>
-          <a:p>
-            <a:r>
-              <a:rPr lang="en-GB" dirty="0" smtClean="0"/>
-              <a:t>Relationship Between ComponentInfo and DetectorInfo</a:t>
-            </a:r>
-            <a:endParaRPr lang="en-GB" dirty="0"/>
-          </a:p>
-        </p:txBody>
-      </p:sp>
       <p:pic>
         <p:nvPicPr>
           <p:cNvPr id="111618" name="Picture 2" descr="C:\Users\bpe14858\Downloads\tree.png"/>
@@ -38704,6 +38115,143 @@
           </a:p>
         </p:txBody>
       </p:sp>
+      <p:sp>
+        <p:nvSpPr>
+          <p:cNvPr id="27" name="TextBox 26"/>
+          <p:cNvSpPr txBox="1"/>
+          <p:nvPr/>
+        </p:nvSpPr>
+        <p:spPr>
+          <a:xfrm>
+            <a:off x="7092280" y="1895346"/>
+            <a:ext cx="1944215" cy="954107"/>
+          </a:xfrm>
+          <a:prstGeom prst="rect">
+            <a:avLst/>
+          </a:prstGeom>
+          <a:noFill/>
+        </p:spPr>
+        <p:txBody>
+          <a:bodyPr wrap="square" rtlCol="0">
+            <a:spAutoFit/>
+          </a:bodyPr>
+          <a:lstStyle/>
+          <a:p>
+            <a:r>
+              <a:rPr lang="en-GB" sz="1400" dirty="0" smtClean="0"/>
+              <a:t>Higher level components always have higher indices than children.</a:t>
+            </a:r>
+          </a:p>
+        </p:txBody>
+      </p:sp>
+      <p:cxnSp>
+        <p:nvCxnSpPr>
+          <p:cNvPr id="28" name="Straight Arrow Connector 27"/>
+          <p:cNvCxnSpPr/>
+          <p:nvPr/>
+        </p:nvCxnSpPr>
+        <p:spPr>
+          <a:xfrm flipH="1" flipV="1">
+            <a:off x="4788024" y="1957482"/>
+            <a:ext cx="2304256" cy="103366"/>
+          </a:xfrm>
+          <a:prstGeom prst="straightConnector1">
+            <a:avLst/>
+          </a:prstGeom>
+          <a:ln w="12700">
+            <a:solidFill>
+              <a:schemeClr val="tx2"/>
+            </a:solidFill>
+            <a:tailEnd type="arrow"/>
+          </a:ln>
+        </p:spPr>
+        <p:style>
+          <a:lnRef idx="1">
+            <a:schemeClr val="accent1"/>
+          </a:lnRef>
+          <a:fillRef idx="0">
+            <a:schemeClr val="accent1"/>
+          </a:fillRef>
+          <a:effectRef idx="0">
+            <a:schemeClr val="accent1"/>
+          </a:effectRef>
+          <a:fontRef idx="minor">
+            <a:schemeClr val="tx1"/>
+          </a:fontRef>
+        </p:style>
+      </p:cxnSp>
+      <p:cxnSp>
+        <p:nvCxnSpPr>
+          <p:cNvPr id="29" name="Straight Arrow Connector 28"/>
+          <p:cNvCxnSpPr/>
+          <p:nvPr/>
+        </p:nvCxnSpPr>
+        <p:spPr>
+          <a:xfrm flipH="1">
+            <a:off x="5051132" y="2492896"/>
+            <a:ext cx="1897132" cy="432048"/>
+          </a:xfrm>
+          <a:prstGeom prst="straightConnector1">
+            <a:avLst/>
+          </a:prstGeom>
+          <a:ln w="12700">
+            <a:solidFill>
+              <a:schemeClr val="tx1"/>
+            </a:solidFill>
+            <a:tailEnd type="arrow"/>
+          </a:ln>
+        </p:spPr>
+        <p:style>
+          <a:lnRef idx="1">
+            <a:schemeClr val="accent1"/>
+          </a:lnRef>
+          <a:fillRef idx="0">
+            <a:schemeClr val="accent1"/>
+          </a:fillRef>
+          <a:effectRef idx="0">
+            <a:schemeClr val="accent1"/>
+          </a:effectRef>
+          <a:fontRef idx="minor">
+            <a:schemeClr val="tx1"/>
+          </a:fontRef>
+        </p:style>
+      </p:cxnSp>
+      <p:cxnSp>
+        <p:nvCxnSpPr>
+          <p:cNvPr id="30" name="Straight Arrow Connector 29"/>
+          <p:cNvCxnSpPr/>
+          <p:nvPr/>
+        </p:nvCxnSpPr>
+        <p:spPr>
+          <a:xfrm flipH="1">
+            <a:off x="5627196" y="2708920"/>
+            <a:ext cx="1465084" cy="1152128"/>
+          </a:xfrm>
+          <a:prstGeom prst="straightConnector1">
+            <a:avLst/>
+          </a:prstGeom>
+          <a:ln w="12700">
+            <a:solidFill>
+              <a:schemeClr val="tx1"/>
+            </a:solidFill>
+            <a:tailEnd type="arrow"/>
+          </a:ln>
+        </p:spPr>
+        <p:style>
+          <a:lnRef idx="1">
+            <a:schemeClr val="accent1"/>
+          </a:lnRef>
+          <a:fillRef idx="0">
+            <a:schemeClr val="accent1"/>
+          </a:fillRef>
+          <a:effectRef idx="0">
+            <a:schemeClr val="accent1"/>
+          </a:effectRef>
+          <a:fontRef idx="minor">
+            <a:schemeClr val="tx1"/>
+          </a:fontRef>
+        </p:style>
+      </p:cxnSp>
     </p:spTree>
     <p:extLst>
       <p:ext uri="{BB962C8B-B14F-4D97-AF65-F5344CB8AC3E}">
@@ -40602,7 +40150,7 @@
         </p:nvSpPr>
         <p:spPr>
           <a:xfrm>
-            <a:off x="3079444" y="476672"/>
+            <a:off x="3079446" y="476672"/>
             <a:ext cx="2985113" cy="584775"/>
           </a:xfrm>
           <a:prstGeom prst="rect">
@@ -40627,14 +40175,14 @@
       </p:sp>
       <p:sp>
         <p:nvSpPr>
-          <p:cNvPr id="3" name="TextBox 2"/>
+          <p:cNvPr id="7" name="TextBox 6"/>
           <p:cNvSpPr txBox="1"/>
           <p:nvPr/>
         </p:nvSpPr>
         <p:spPr>
           <a:xfrm>
-            <a:off x="1835696" y="1228110"/>
-            <a:ext cx="5827236" cy="369332"/>
+            <a:off x="1475656" y="1268760"/>
+            <a:ext cx="7128792" cy="3200876"/>
           </a:xfrm>
           <a:prstGeom prst="rect">
             <a:avLst/>
@@ -40642,966 +40190,197 @@
           <a:noFill/>
         </p:spPr>
         <p:txBody>
-          <a:bodyPr wrap="none" rtlCol="0">
-            <a:spAutoFit/>
-          </a:bodyPr>
-          <a:lstStyle/>
-          <a:p>
-            <a:r>
-              <a:rPr lang="en-GB" dirty="0" smtClean="0"/>
-              <a:t>Relationship Between ComponentInfo and DetectorInfo</a:t>
-            </a:r>
-            <a:endParaRPr lang="en-GB" dirty="0"/>
-          </a:p>
-        </p:txBody>
-      </p:sp>
-      <p:pic>
-        <p:nvPicPr>
-          <p:cNvPr id="111618" name="Picture 2" descr="C:\Users\bpe14858\Downloads\tree.png"/>
-          <p:cNvPicPr>
-            <a:picLocks noChangeAspect="1" noChangeArrowheads="1"/>
-          </p:cNvPicPr>
-          <p:nvPr/>
-        </p:nvPicPr>
-        <p:blipFill>
-          <a:blip r:embed="rId3">
-            <a:extLst>
-              <a:ext uri="{28A0092B-C50C-407E-A947-70E740481C1C}">
-                <a14:useLocalDpi xmlns:a14="http://schemas.microsoft.com/office/drawing/2010/main" val="0"/>
-              </a:ext>
-            </a:extLst>
-          </a:blip>
-          <a:srcRect/>
-          <a:stretch>
-            <a:fillRect/>
-          </a:stretch>
-        </p:blipFill>
-        <p:spPr bwMode="auto">
-          <a:xfrm>
-            <a:off x="2242820" y="1700808"/>
-            <a:ext cx="3960440" cy="3794558"/>
-          </a:xfrm>
-          <a:prstGeom prst="rect">
-            <a:avLst/>
-          </a:prstGeom>
-          <a:noFill/>
-          <a:extLst>
-            <a:ext uri="{909E8E84-426E-40DD-AFC4-6F175D3DCCD1}">
-              <a14:hiddenFill xmlns:a14="http://schemas.microsoft.com/office/drawing/2010/main">
-                <a:solidFill>
-                  <a:srgbClr val="FFFFFF"/>
-                </a:solidFill>
-              </a14:hiddenFill>
-            </a:ext>
-          </a:extLst>
-        </p:spPr>
-      </p:pic>
-      <p:sp>
-        <p:nvSpPr>
-          <p:cNvPr id="4" name="TextBox 3"/>
-          <p:cNvSpPr txBox="1"/>
-          <p:nvPr/>
-        </p:nvSpPr>
-        <p:spPr>
-          <a:xfrm>
-            <a:off x="4168405" y="1772816"/>
-            <a:ext cx="582211" cy="369332"/>
-          </a:xfrm>
-          <a:prstGeom prst="rect">
-            <a:avLst/>
-          </a:prstGeom>
-          <a:noFill/>
-        </p:spPr>
-        <p:txBody>
-          <a:bodyPr wrap="none" rtlCol="0">
-            <a:spAutoFit/>
-          </a:bodyPr>
-          <a:lstStyle/>
-          <a:p>
-            <a:r>
-              <a:rPr lang="en-GB" dirty="0" smtClean="0"/>
-              <a:t>root</a:t>
-            </a:r>
-            <a:endParaRPr lang="en-GB" dirty="0"/>
-          </a:p>
-        </p:txBody>
-      </p:sp>
-      <p:sp>
-        <p:nvSpPr>
-          <p:cNvPr id="5" name="TextBox 4"/>
-          <p:cNvSpPr txBox="1"/>
-          <p:nvPr/>
-        </p:nvSpPr>
-        <p:spPr>
-          <a:xfrm>
-            <a:off x="2026796" y="3413421"/>
-            <a:ext cx="928459" cy="369332"/>
-          </a:xfrm>
-          <a:prstGeom prst="rect">
-            <a:avLst/>
-          </a:prstGeom>
-          <a:noFill/>
-        </p:spPr>
-        <p:txBody>
-          <a:bodyPr wrap="none" rtlCol="0">
-            <a:spAutoFit/>
-          </a:bodyPr>
-          <a:lstStyle/>
-          <a:p>
-            <a:r>
-              <a:rPr lang="en-GB" dirty="0" smtClean="0"/>
-              <a:t>sample</a:t>
-            </a:r>
-            <a:endParaRPr lang="en-GB" dirty="0"/>
-          </a:p>
-        </p:txBody>
-      </p:sp>
-      <p:sp>
-        <p:nvSpPr>
-          <p:cNvPr id="6" name="TextBox 5"/>
-          <p:cNvSpPr txBox="1"/>
-          <p:nvPr/>
-        </p:nvSpPr>
-        <p:spPr>
-          <a:xfrm>
-            <a:off x="3106916" y="3406185"/>
-            <a:ext cx="877163" cy="369332"/>
-          </a:xfrm>
-          <a:prstGeom prst="rect">
-            <a:avLst/>
-          </a:prstGeom>
-          <a:noFill/>
-        </p:spPr>
-        <p:txBody>
-          <a:bodyPr wrap="none" rtlCol="0">
-            <a:spAutoFit/>
-          </a:bodyPr>
-          <a:lstStyle/>
-          <a:p>
-            <a:r>
-              <a:rPr lang="en-GB" dirty="0" smtClean="0"/>
-              <a:t>source</a:t>
-            </a:r>
-            <a:endParaRPr lang="en-GB" dirty="0"/>
-          </a:p>
-        </p:txBody>
-      </p:sp>
-      <p:sp>
-        <p:nvSpPr>
-          <p:cNvPr id="8" name="TextBox 7"/>
-          <p:cNvSpPr txBox="1"/>
-          <p:nvPr/>
-        </p:nvSpPr>
-        <p:spPr>
-          <a:xfrm>
-            <a:off x="5051132" y="2996952"/>
-            <a:ext cx="877163" cy="369332"/>
-          </a:xfrm>
-          <a:prstGeom prst="rect">
-            <a:avLst/>
-          </a:prstGeom>
-          <a:noFill/>
-        </p:spPr>
-        <p:txBody>
-          <a:bodyPr wrap="none" rtlCol="0">
-            <a:spAutoFit/>
-          </a:bodyPr>
-          <a:lstStyle/>
-          <a:p>
-            <a:r>
-              <a:rPr lang="en-GB" dirty="0" smtClean="0"/>
-              <a:t>comp1</a:t>
-            </a:r>
-            <a:endParaRPr lang="en-GB" dirty="0"/>
-          </a:p>
-        </p:txBody>
-      </p:sp>
-      <p:sp>
-        <p:nvSpPr>
-          <p:cNvPr id="9" name="TextBox 8"/>
-          <p:cNvSpPr txBox="1"/>
-          <p:nvPr/>
-        </p:nvSpPr>
-        <p:spPr>
-          <a:xfrm>
-            <a:off x="2530852" y="4077072"/>
-            <a:ext cx="1249060" cy="369332"/>
-          </a:xfrm>
-          <a:prstGeom prst="rect">
-            <a:avLst/>
-          </a:prstGeom>
-          <a:noFill/>
-        </p:spPr>
-        <p:txBody>
-          <a:bodyPr wrap="none" rtlCol="0">
-            <a:spAutoFit/>
-          </a:bodyPr>
-          <a:lstStyle/>
-          <a:p>
-            <a:r>
-              <a:rPr lang="en-GB" dirty="0" smtClean="0"/>
-              <a:t>subcomp1</a:t>
-            </a:r>
-            <a:endParaRPr lang="en-GB" dirty="0"/>
-          </a:p>
-        </p:txBody>
-      </p:sp>
-      <p:sp>
-        <p:nvSpPr>
-          <p:cNvPr id="10" name="TextBox 9"/>
-          <p:cNvSpPr txBox="1"/>
-          <p:nvPr/>
-        </p:nvSpPr>
-        <p:spPr>
-          <a:xfrm>
-            <a:off x="5627196" y="4077072"/>
-            <a:ext cx="1249060" cy="369332"/>
-          </a:xfrm>
-          <a:prstGeom prst="rect">
-            <a:avLst/>
-          </a:prstGeom>
-          <a:noFill/>
-        </p:spPr>
-        <p:txBody>
-          <a:bodyPr wrap="none" rtlCol="0">
-            <a:spAutoFit/>
-          </a:bodyPr>
-          <a:lstStyle/>
-          <a:p>
-            <a:r>
-              <a:rPr lang="en-GB" dirty="0" smtClean="0"/>
-              <a:t>subcomp2</a:t>
-            </a:r>
-            <a:endParaRPr lang="en-GB" dirty="0"/>
-          </a:p>
-        </p:txBody>
-      </p:sp>
-      <p:sp>
-        <p:nvSpPr>
-          <p:cNvPr id="11" name="TextBox 10"/>
-          <p:cNvSpPr txBox="1"/>
-          <p:nvPr/>
-        </p:nvSpPr>
-        <p:spPr>
-          <a:xfrm>
-            <a:off x="3088304" y="5445224"/>
-            <a:ext cx="633507" cy="369332"/>
-          </a:xfrm>
-          <a:prstGeom prst="rect">
-            <a:avLst/>
-          </a:prstGeom>
-          <a:noFill/>
-        </p:spPr>
-        <p:txBody>
-          <a:bodyPr wrap="none" rtlCol="0">
-            <a:spAutoFit/>
-          </a:bodyPr>
-          <a:lstStyle/>
-          <a:p>
-            <a:r>
-              <a:rPr lang="en-GB" dirty="0" smtClean="0"/>
-              <a:t>det2</a:t>
-            </a:r>
-            <a:endParaRPr lang="en-GB" dirty="0"/>
-          </a:p>
-        </p:txBody>
-      </p:sp>
-      <p:sp>
-        <p:nvSpPr>
-          <p:cNvPr id="12" name="TextBox 11"/>
-          <p:cNvSpPr txBox="1"/>
-          <p:nvPr/>
-        </p:nvSpPr>
-        <p:spPr>
-          <a:xfrm>
-            <a:off x="3899004" y="5445224"/>
-            <a:ext cx="810719" cy="369332"/>
-          </a:xfrm>
-          <a:prstGeom prst="rect">
-            <a:avLst/>
-          </a:prstGeom>
-          <a:noFill/>
-        </p:spPr>
-        <p:txBody>
           <a:bodyPr wrap="square" rtlCol="0">
             <a:spAutoFit/>
           </a:bodyPr>
           <a:lstStyle/>
           <a:p>
+            <a:pPr marL="285750" indent="-285750">
+              <a:buFont typeface="Arial" panose="020B0604020202020204" pitchFamily="34" charset="0"/>
+              <a:buChar char="•"/>
+            </a:pPr>
             <a:r>
               <a:rPr lang="en-GB" dirty="0" smtClean="0"/>
-              <a:t>det2</a:t>
-            </a:r>
+              <a:t>Within the codebase there currently exist 2 </a:t>
+            </a:r>
+            <a:r>
+              <a:rPr lang="en-GB" dirty="0" err="1" smtClean="0"/>
+              <a:t>layes</a:t>
+            </a:r>
+            <a:r>
+              <a:rPr lang="en-GB" dirty="0" smtClean="0"/>
+              <a:t>:</a:t>
+            </a:r>
+          </a:p>
+          <a:p>
+            <a:pPr lvl="1"/>
+            <a:r>
+              <a:rPr lang="en-GB" sz="1400" dirty="0" smtClean="0">
+                <a:latin typeface="Consolas" panose="020B0609020204030204" pitchFamily="49" charset="0"/>
+              </a:rPr>
+              <a:t>Beamline::ComponentInfo</a:t>
+            </a:r>
+          </a:p>
+          <a:p>
+            <a:pPr lvl="1"/>
+            <a:r>
+              <a:rPr lang="en-GB" sz="1400" dirty="0" smtClean="0">
+                <a:latin typeface="Consolas" panose="020B0609020204030204" pitchFamily="49" charset="0"/>
+              </a:rPr>
+              <a:t>Beamline::DetectorInfo</a:t>
+            </a:r>
+          </a:p>
+          <a:p>
+            <a:pPr lvl="1"/>
+            <a:r>
+              <a:rPr lang="en-GB" sz="1400" dirty="0" smtClean="0">
+                <a:latin typeface="Consolas" panose="020B0609020204030204" pitchFamily="49" charset="0"/>
+              </a:rPr>
+              <a:t>Beamline::SpectrumInfo</a:t>
+            </a:r>
+          </a:p>
+          <a:p>
+            <a:r>
+              <a:rPr lang="en-GB" dirty="0" smtClean="0"/>
+              <a:t>    and</a:t>
+            </a:r>
+          </a:p>
+          <a:p>
+            <a:pPr lvl="1"/>
+            <a:r>
+              <a:rPr lang="en-GB" sz="1400" dirty="0" smtClean="0">
+                <a:latin typeface="Consolas" panose="020B0609020204030204" pitchFamily="49" charset="0"/>
+              </a:rPr>
+              <a:t>Geometry::ComponentInfo</a:t>
+            </a:r>
+          </a:p>
+          <a:p>
+            <a:pPr lvl="1"/>
+            <a:r>
+              <a:rPr lang="en-GB" sz="1400" dirty="0" smtClean="0">
+                <a:latin typeface="Consolas" panose="020B0609020204030204" pitchFamily="49" charset="0"/>
+              </a:rPr>
+              <a:t>Geometry::DetectorInfo</a:t>
+            </a:r>
+          </a:p>
+          <a:p>
+            <a:pPr lvl="1"/>
+            <a:r>
+              <a:rPr lang="en-GB" sz="1400" dirty="0" smtClean="0">
+                <a:latin typeface="Consolas" panose="020B0609020204030204" pitchFamily="49" charset="0"/>
+              </a:rPr>
+              <a:t>Geometry::SpectrumInfo</a:t>
+            </a:r>
+          </a:p>
+          <a:p>
+            <a:pPr marL="285750" indent="-285750">
+              <a:buFont typeface="Arial" panose="020B0604020202020204" pitchFamily="34" charset="0"/>
+              <a:buChar char="•"/>
+            </a:pPr>
+            <a:r>
+              <a:rPr lang="en-GB" dirty="0" smtClean="0">
+                <a:effectLst>
+                  <a:outerShdw blurRad="50800" dist="50800" dir="5400000" algn="ctr" rotWithShape="0">
+                    <a:schemeClr val="bg1"/>
+                  </a:outerShdw>
+                </a:effectLst>
+                <a:latin typeface="Arial" panose="020B0604020202020204" pitchFamily="34" charset="0"/>
+                <a:cs typeface="Arial" panose="020B0604020202020204" pitchFamily="34" charset="0"/>
+              </a:rPr>
+              <a:t>Currently all </a:t>
+            </a:r>
+            <a:r>
+              <a:rPr lang="en-GB" sz="1400" dirty="0" smtClean="0">
+                <a:effectLst>
+                  <a:outerShdw blurRad="50800" dist="50800" dir="5400000" algn="ctr" rotWithShape="0">
+                    <a:schemeClr val="bg1"/>
+                  </a:outerShdw>
+                </a:effectLst>
+                <a:latin typeface="Consolas" panose="020B0609020204030204" pitchFamily="49" charset="0"/>
+                <a:cs typeface="Arial" panose="020B0604020202020204" pitchFamily="34" charset="0"/>
+              </a:rPr>
+              <a:t>*info </a:t>
+            </a:r>
+            <a:r>
+              <a:rPr lang="en-GB" dirty="0" smtClean="0">
+                <a:effectLst>
+                  <a:outerShdw blurRad="50800" dist="50800" dir="5400000" algn="ctr" rotWithShape="0">
+                    <a:schemeClr val="bg1"/>
+                  </a:outerShdw>
+                </a:effectLst>
+                <a:latin typeface="Arial" panose="020B0604020202020204" pitchFamily="34" charset="0"/>
+                <a:cs typeface="Arial" panose="020B0604020202020204" pitchFamily="34" charset="0"/>
+              </a:rPr>
+              <a:t>objects are in compatibility mode and are built by parsing Instrument 1.0 in the </a:t>
+            </a:r>
+            <a:r>
+              <a:rPr lang="en-GB" sz="1400" dirty="0" err="1" smtClean="0">
+                <a:effectLst>
+                  <a:outerShdw blurRad="50800" dist="50800" dir="5400000" algn="ctr" rotWithShape="0">
+                    <a:schemeClr val="bg1"/>
+                  </a:outerShdw>
+                </a:effectLst>
+                <a:latin typeface="Consolas" panose="020B0609020204030204" pitchFamily="49" charset="0"/>
+                <a:cs typeface="Arial" panose="020B0604020202020204" pitchFamily="34" charset="0"/>
+              </a:rPr>
+              <a:t>InstrumentVisitor</a:t>
+            </a:r>
+            <a:endParaRPr lang="en-GB" dirty="0" smtClean="0">
+              <a:effectLst>
+                <a:outerShdw blurRad="50800" dist="50800" dir="5400000" algn="ctr" rotWithShape="0">
+                  <a:schemeClr val="bg1"/>
+                </a:outerShdw>
+              </a:effectLst>
+              <a:latin typeface="Arial" panose="020B0604020202020204" pitchFamily="34" charset="0"/>
+              <a:cs typeface="Arial" panose="020B0604020202020204" pitchFamily="34" charset="0"/>
+            </a:endParaRPr>
+          </a:p>
+          <a:p>
+            <a:pPr lvl="1"/>
+            <a:r>
+              <a:rPr lang="en-GB" sz="1400" dirty="0" smtClean="0">
+                <a:solidFill>
+                  <a:srgbClr val="FF0000"/>
+                </a:solidFill>
+                <a:effectLst>
+                  <a:outerShdw blurRad="50800" dist="50800" dir="5400000" algn="ctr" rotWithShape="0">
+                    <a:schemeClr val="bg1"/>
+                  </a:outerShdw>
+                </a:effectLst>
+                <a:latin typeface="Consolas" panose="020B0609020204030204" pitchFamily="49" charset="0"/>
+              </a:rPr>
+              <a:t> </a:t>
+            </a:r>
+            <a:endParaRPr lang="en-GB" sz="1400" dirty="0" smtClean="0"/>
+          </a:p>
+          <a:p>
+            <a:pPr lvl="1"/>
+            <a:r>
+              <a:rPr lang="en-GB" sz="1400" dirty="0" smtClean="0">
+                <a:solidFill>
+                  <a:srgbClr val="FF0000"/>
+                </a:solidFill>
+                <a:effectLst>
+                  <a:outerShdw blurRad="50800" dist="50800" dir="5400000" algn="ctr" rotWithShape="0">
+                    <a:schemeClr val="bg1"/>
+                  </a:outerShdw>
+                </a:effectLst>
+                <a:latin typeface="Consolas" panose="020B0609020204030204" pitchFamily="49" charset="0"/>
+              </a:rPr>
+              <a:t> </a:t>
+            </a:r>
+            <a:endParaRPr lang="en-GB" sz="1400" dirty="0" smtClean="0"/>
+          </a:p>
+          <a:p>
+            <a:pPr lvl="1"/>
             <a:endParaRPr lang="en-GB" dirty="0"/>
           </a:p>
         </p:txBody>
       </p:sp>
-      <p:sp>
-        <p:nvSpPr>
-          <p:cNvPr id="13" name="TextBox 12"/>
-          <p:cNvSpPr txBox="1"/>
-          <p:nvPr/>
-        </p:nvSpPr>
-        <p:spPr>
-          <a:xfrm>
-            <a:off x="4873812" y="5445224"/>
-            <a:ext cx="633507" cy="369332"/>
-          </a:xfrm>
-          <a:prstGeom prst="rect">
-            <a:avLst/>
-          </a:prstGeom>
-          <a:noFill/>
-        </p:spPr>
-        <p:txBody>
-          <a:bodyPr wrap="none" rtlCol="0">
-            <a:spAutoFit/>
-          </a:bodyPr>
-          <a:lstStyle/>
-          <a:p>
-            <a:r>
-              <a:rPr lang="en-GB" dirty="0" smtClean="0"/>
-              <a:t>det3</a:t>
-            </a:r>
-            <a:endParaRPr lang="en-GB" dirty="0"/>
-          </a:p>
-        </p:txBody>
-      </p:sp>
-      <p:sp>
-        <p:nvSpPr>
-          <p:cNvPr id="14" name="TextBox 13"/>
-          <p:cNvSpPr txBox="1"/>
-          <p:nvPr/>
-        </p:nvSpPr>
-        <p:spPr>
-          <a:xfrm>
-            <a:off x="5627196" y="5445224"/>
-            <a:ext cx="633507" cy="369332"/>
-          </a:xfrm>
-          <a:prstGeom prst="rect">
-            <a:avLst/>
-          </a:prstGeom>
-          <a:noFill/>
-        </p:spPr>
-        <p:txBody>
-          <a:bodyPr wrap="none" rtlCol="0">
-            <a:spAutoFit/>
-          </a:bodyPr>
-          <a:lstStyle/>
-          <a:p>
-            <a:r>
-              <a:rPr lang="en-GB" dirty="0" smtClean="0"/>
-              <a:t>det4</a:t>
-            </a:r>
-            <a:endParaRPr lang="en-GB" dirty="0"/>
-          </a:p>
-        </p:txBody>
-      </p:sp>
-      <p:sp>
-        <p:nvSpPr>
-          <p:cNvPr id="7" name="TextBox 6"/>
-          <p:cNvSpPr txBox="1"/>
-          <p:nvPr/>
-        </p:nvSpPr>
-        <p:spPr>
-          <a:xfrm>
-            <a:off x="3275856" y="5075892"/>
-            <a:ext cx="312906" cy="369332"/>
-          </a:xfrm>
-          <a:prstGeom prst="rect">
-            <a:avLst/>
-          </a:prstGeom>
-          <a:noFill/>
-        </p:spPr>
-        <p:txBody>
-          <a:bodyPr wrap="none" rtlCol="0">
-            <a:spAutoFit/>
-          </a:bodyPr>
-          <a:lstStyle/>
-          <a:p>
-            <a:r>
-              <a:rPr lang="en-GB" dirty="0" smtClean="0"/>
-              <a:t>0</a:t>
-            </a:r>
-            <a:endParaRPr lang="en-GB" dirty="0"/>
-          </a:p>
-        </p:txBody>
-      </p:sp>
-      <p:sp>
-        <p:nvSpPr>
-          <p:cNvPr id="16" name="TextBox 15"/>
-          <p:cNvSpPr txBox="1"/>
-          <p:nvPr/>
-        </p:nvSpPr>
-        <p:spPr>
-          <a:xfrm>
-            <a:off x="4043070" y="5085184"/>
-            <a:ext cx="312906" cy="369332"/>
-          </a:xfrm>
-          <a:prstGeom prst="rect">
-            <a:avLst/>
-          </a:prstGeom>
-          <a:noFill/>
-        </p:spPr>
-        <p:txBody>
-          <a:bodyPr wrap="none" rtlCol="0">
-            <a:spAutoFit/>
-          </a:bodyPr>
-          <a:lstStyle/>
-          <a:p>
-            <a:r>
-              <a:rPr lang="en-GB" dirty="0"/>
-              <a:t>1</a:t>
-            </a:r>
-          </a:p>
-        </p:txBody>
-      </p:sp>
-      <p:sp>
-        <p:nvSpPr>
-          <p:cNvPr id="17" name="TextBox 16"/>
-          <p:cNvSpPr txBox="1"/>
-          <p:nvPr/>
-        </p:nvSpPr>
-        <p:spPr>
-          <a:xfrm>
-            <a:off x="5004048" y="5085184"/>
-            <a:ext cx="312906" cy="369332"/>
-          </a:xfrm>
-          <a:prstGeom prst="rect">
-            <a:avLst/>
-          </a:prstGeom>
-          <a:noFill/>
-        </p:spPr>
-        <p:txBody>
-          <a:bodyPr wrap="none" rtlCol="0">
-            <a:spAutoFit/>
-          </a:bodyPr>
-          <a:lstStyle/>
-          <a:p>
-            <a:r>
-              <a:rPr lang="en-GB" dirty="0"/>
-              <a:t>2</a:t>
-            </a:r>
-          </a:p>
-        </p:txBody>
-      </p:sp>
-      <p:sp>
-        <p:nvSpPr>
-          <p:cNvPr id="18" name="TextBox 17"/>
-          <p:cNvSpPr txBox="1"/>
-          <p:nvPr/>
-        </p:nvSpPr>
-        <p:spPr>
-          <a:xfrm>
-            <a:off x="5771262" y="5075892"/>
-            <a:ext cx="312906" cy="369332"/>
-          </a:xfrm>
-          <a:prstGeom prst="rect">
-            <a:avLst/>
-          </a:prstGeom>
-          <a:noFill/>
-        </p:spPr>
-        <p:txBody>
-          <a:bodyPr wrap="none" rtlCol="0">
-            <a:spAutoFit/>
-          </a:bodyPr>
-          <a:lstStyle/>
-          <a:p>
-            <a:r>
-              <a:rPr lang="en-GB" dirty="0" smtClean="0"/>
-              <a:t>3</a:t>
-            </a:r>
-            <a:endParaRPr lang="en-GB" dirty="0"/>
-          </a:p>
-        </p:txBody>
-      </p:sp>
-      <p:sp>
-        <p:nvSpPr>
-          <p:cNvPr id="19" name="TextBox 18"/>
-          <p:cNvSpPr txBox="1"/>
-          <p:nvPr/>
-        </p:nvSpPr>
-        <p:spPr>
-          <a:xfrm>
-            <a:off x="3899054" y="4077072"/>
-            <a:ext cx="312906" cy="369332"/>
-          </a:xfrm>
-          <a:prstGeom prst="rect">
-            <a:avLst/>
-          </a:prstGeom>
-          <a:noFill/>
-        </p:spPr>
-        <p:txBody>
-          <a:bodyPr wrap="none" rtlCol="0">
-            <a:spAutoFit/>
-          </a:bodyPr>
-          <a:lstStyle/>
-          <a:p>
-            <a:r>
-              <a:rPr lang="en-GB" dirty="0" smtClean="0"/>
-              <a:t>4</a:t>
-            </a:r>
-            <a:endParaRPr lang="en-GB" dirty="0"/>
-          </a:p>
-        </p:txBody>
-      </p:sp>
-      <p:sp>
-        <p:nvSpPr>
-          <p:cNvPr id="20" name="TextBox 19"/>
-          <p:cNvSpPr txBox="1"/>
-          <p:nvPr/>
-        </p:nvSpPr>
-        <p:spPr>
-          <a:xfrm>
-            <a:off x="5123190" y="4077072"/>
-            <a:ext cx="312906" cy="369332"/>
-          </a:xfrm>
-          <a:prstGeom prst="rect">
-            <a:avLst/>
-          </a:prstGeom>
-          <a:noFill/>
-        </p:spPr>
-        <p:txBody>
-          <a:bodyPr wrap="none" rtlCol="0">
-            <a:spAutoFit/>
-          </a:bodyPr>
-          <a:lstStyle/>
-          <a:p>
-            <a:r>
-              <a:rPr lang="en-GB" dirty="0" smtClean="0"/>
-              <a:t>5</a:t>
-            </a:r>
-            <a:endParaRPr lang="en-GB" dirty="0"/>
-          </a:p>
-        </p:txBody>
-      </p:sp>
-      <p:sp>
-        <p:nvSpPr>
-          <p:cNvPr id="22" name="TextBox 21"/>
-          <p:cNvSpPr txBox="1"/>
-          <p:nvPr/>
-        </p:nvSpPr>
-        <p:spPr>
-          <a:xfrm>
-            <a:off x="4547126" y="2924944"/>
-            <a:ext cx="312906" cy="369332"/>
-          </a:xfrm>
-          <a:prstGeom prst="rect">
-            <a:avLst/>
-          </a:prstGeom>
-          <a:noFill/>
-        </p:spPr>
-        <p:txBody>
-          <a:bodyPr wrap="none" rtlCol="0">
-            <a:spAutoFit/>
-          </a:bodyPr>
-          <a:lstStyle/>
-          <a:p>
-            <a:r>
-              <a:rPr lang="en-GB" dirty="0"/>
-              <a:t>6</a:t>
-            </a:r>
-          </a:p>
-        </p:txBody>
-      </p:sp>
-      <p:sp>
-        <p:nvSpPr>
-          <p:cNvPr id="23" name="TextBox 22"/>
-          <p:cNvSpPr txBox="1"/>
-          <p:nvPr/>
-        </p:nvSpPr>
-        <p:spPr>
-          <a:xfrm>
-            <a:off x="3394998" y="2924944"/>
-            <a:ext cx="312906" cy="369332"/>
-          </a:xfrm>
-          <a:prstGeom prst="rect">
-            <a:avLst/>
-          </a:prstGeom>
-          <a:noFill/>
-        </p:spPr>
-        <p:txBody>
-          <a:bodyPr wrap="none" rtlCol="0">
-            <a:spAutoFit/>
-          </a:bodyPr>
-          <a:lstStyle/>
-          <a:p>
-            <a:r>
-              <a:rPr lang="en-GB" dirty="0" smtClean="0"/>
-              <a:t>7</a:t>
-            </a:r>
-            <a:endParaRPr lang="en-GB" dirty="0"/>
-          </a:p>
-        </p:txBody>
-      </p:sp>
-      <p:sp>
-        <p:nvSpPr>
-          <p:cNvPr id="24" name="TextBox 23"/>
-          <p:cNvSpPr txBox="1"/>
-          <p:nvPr/>
-        </p:nvSpPr>
-        <p:spPr>
-          <a:xfrm>
-            <a:off x="2339752" y="2924944"/>
-            <a:ext cx="312906" cy="369332"/>
-          </a:xfrm>
-          <a:prstGeom prst="rect">
-            <a:avLst/>
-          </a:prstGeom>
-          <a:noFill/>
-        </p:spPr>
-        <p:txBody>
-          <a:bodyPr wrap="none" rtlCol="0">
-            <a:spAutoFit/>
-          </a:bodyPr>
-          <a:lstStyle/>
-          <a:p>
-            <a:r>
-              <a:rPr lang="en-GB" dirty="0"/>
-              <a:t>8</a:t>
-            </a:r>
-          </a:p>
-        </p:txBody>
-      </p:sp>
-      <p:sp>
-        <p:nvSpPr>
-          <p:cNvPr id="25" name="TextBox 24"/>
-          <p:cNvSpPr txBox="1"/>
-          <p:nvPr/>
-        </p:nvSpPr>
-        <p:spPr>
-          <a:xfrm>
-            <a:off x="3683030" y="1772816"/>
-            <a:ext cx="312906" cy="369332"/>
-          </a:xfrm>
-          <a:prstGeom prst="rect">
-            <a:avLst/>
-          </a:prstGeom>
-          <a:noFill/>
-        </p:spPr>
-        <p:txBody>
-          <a:bodyPr wrap="none" rtlCol="0">
-            <a:spAutoFit/>
-          </a:bodyPr>
-          <a:lstStyle/>
-          <a:p>
-            <a:r>
-              <a:rPr lang="en-GB" dirty="0"/>
-              <a:t>9</a:t>
-            </a:r>
-          </a:p>
-        </p:txBody>
-      </p:sp>
-      <p:sp>
-        <p:nvSpPr>
-          <p:cNvPr id="15" name="Rectangle 14"/>
-          <p:cNvSpPr/>
-          <p:nvPr/>
-        </p:nvSpPr>
-        <p:spPr>
-          <a:xfrm>
-            <a:off x="1691680" y="1597442"/>
-            <a:ext cx="5184576" cy="4217114"/>
-          </a:xfrm>
-          <a:prstGeom prst="rect">
-            <a:avLst/>
-          </a:prstGeom>
-          <a:noFill/>
-          <a:ln w="12700">
-            <a:solidFill>
-              <a:srgbClr val="FF0000"/>
-            </a:solidFill>
-            <a:prstDash val="sysDash"/>
-          </a:ln>
-        </p:spPr>
-        <p:style>
-          <a:lnRef idx="2">
-            <a:schemeClr val="accent1">
-              <a:shade val="50000"/>
-            </a:schemeClr>
-          </a:lnRef>
-          <a:fillRef idx="1">
-            <a:schemeClr val="accent1"/>
-          </a:fillRef>
-          <a:effectRef idx="0">
-            <a:schemeClr val="accent1"/>
-          </a:effectRef>
-          <a:fontRef idx="minor">
-            <a:schemeClr val="lt1"/>
-          </a:fontRef>
-        </p:style>
-        <p:txBody>
-          <a:bodyPr rtlCol="0" anchor="ctr"/>
-          <a:lstStyle/>
-          <a:p>
-            <a:pPr algn="ctr"/>
-            <a:endParaRPr lang="en-GB"/>
-          </a:p>
-        </p:txBody>
-      </p:sp>
-      <p:sp>
-        <p:nvSpPr>
-          <p:cNvPr id="21" name="TextBox 20"/>
-          <p:cNvSpPr txBox="1"/>
-          <p:nvPr/>
-        </p:nvSpPr>
-        <p:spPr>
-          <a:xfrm>
-            <a:off x="1619672" y="1556792"/>
-            <a:ext cx="1587294" cy="338554"/>
-          </a:xfrm>
-          <a:prstGeom prst="rect">
-            <a:avLst/>
-          </a:prstGeom>
-          <a:noFill/>
-        </p:spPr>
-        <p:txBody>
-          <a:bodyPr wrap="none" rtlCol="0">
-            <a:spAutoFit/>
-          </a:bodyPr>
-          <a:lstStyle/>
-          <a:p>
-            <a:r>
-              <a:rPr lang="en-GB" sz="1600" dirty="0" smtClean="0">
-                <a:solidFill>
-                  <a:srgbClr val="FF0000"/>
-                </a:solidFill>
-              </a:rPr>
-              <a:t>ComponentInfo</a:t>
-            </a:r>
-            <a:endParaRPr lang="en-GB" sz="1600" dirty="0">
-              <a:solidFill>
-                <a:srgbClr val="FF0000"/>
-              </a:solidFill>
-            </a:endParaRPr>
-          </a:p>
-        </p:txBody>
-      </p:sp>
-      <p:sp>
-        <p:nvSpPr>
-          <p:cNvPr id="26" name="Rectangle 25"/>
-          <p:cNvSpPr/>
-          <p:nvPr/>
-        </p:nvSpPr>
-        <p:spPr>
-          <a:xfrm>
-            <a:off x="2026796" y="4797152"/>
-            <a:ext cx="4489420" cy="1008112"/>
-          </a:xfrm>
-          <a:prstGeom prst="rect">
-            <a:avLst/>
-          </a:prstGeom>
-          <a:noFill/>
-          <a:ln w="12700">
-            <a:solidFill>
-              <a:srgbClr val="0070C0"/>
-            </a:solidFill>
-            <a:prstDash val="sysDash"/>
-          </a:ln>
-        </p:spPr>
-        <p:style>
-          <a:lnRef idx="2">
-            <a:schemeClr val="accent1">
-              <a:shade val="50000"/>
-            </a:schemeClr>
-          </a:lnRef>
-          <a:fillRef idx="1">
-            <a:schemeClr val="accent1"/>
-          </a:fillRef>
-          <a:effectRef idx="0">
-            <a:schemeClr val="accent1"/>
-          </a:effectRef>
-          <a:fontRef idx="minor">
-            <a:schemeClr val="lt1"/>
-          </a:fontRef>
-        </p:style>
-        <p:txBody>
-          <a:bodyPr rtlCol="0" anchor="ctr"/>
-          <a:lstStyle/>
-          <a:p>
-            <a:pPr algn="ctr"/>
-            <a:endParaRPr lang="en-GB"/>
-          </a:p>
-        </p:txBody>
-      </p:sp>
-      <p:sp>
-        <p:nvSpPr>
-          <p:cNvPr id="27" name="TextBox 26"/>
-          <p:cNvSpPr txBox="1"/>
-          <p:nvPr/>
-        </p:nvSpPr>
-        <p:spPr>
-          <a:xfrm>
-            <a:off x="1972548" y="4777407"/>
-            <a:ext cx="1303562" cy="338554"/>
-          </a:xfrm>
-          <a:prstGeom prst="rect">
-            <a:avLst/>
-          </a:prstGeom>
-          <a:noFill/>
-        </p:spPr>
-        <p:txBody>
-          <a:bodyPr wrap="none" rtlCol="0">
-            <a:spAutoFit/>
-          </a:bodyPr>
-          <a:lstStyle/>
-          <a:p>
-            <a:r>
-              <a:rPr lang="en-GB" sz="1600" dirty="0" smtClean="0">
-                <a:solidFill>
-                  <a:srgbClr val="0070C0"/>
-                </a:solidFill>
-              </a:rPr>
-              <a:t>DetectorInfo</a:t>
-            </a:r>
-            <a:endParaRPr lang="en-GB" sz="1600" dirty="0">
-              <a:solidFill>
-                <a:srgbClr val="0070C0"/>
-              </a:solidFill>
-            </a:endParaRPr>
-          </a:p>
-        </p:txBody>
-      </p:sp>
-      <p:sp>
-        <p:nvSpPr>
-          <p:cNvPr id="28" name="TextBox 27"/>
-          <p:cNvSpPr txBox="1"/>
-          <p:nvPr/>
-        </p:nvSpPr>
-        <p:spPr>
-          <a:xfrm>
-            <a:off x="7092280" y="1895346"/>
-            <a:ext cx="1944215" cy="954107"/>
-          </a:xfrm>
-          <a:prstGeom prst="rect">
-            <a:avLst/>
-          </a:prstGeom>
-          <a:noFill/>
-        </p:spPr>
-        <p:txBody>
-          <a:bodyPr wrap="square" rtlCol="0">
-            <a:spAutoFit/>
-          </a:bodyPr>
-          <a:lstStyle/>
-          <a:p>
-            <a:r>
-              <a:rPr lang="en-GB" sz="1400" dirty="0" smtClean="0"/>
-              <a:t>Higher level components always have higher indices than children.</a:t>
-            </a:r>
-          </a:p>
-        </p:txBody>
-      </p:sp>
-      <p:cxnSp>
-        <p:nvCxnSpPr>
-          <p:cNvPr id="30" name="Straight Arrow Connector 29"/>
-          <p:cNvCxnSpPr/>
-          <p:nvPr/>
-        </p:nvCxnSpPr>
-        <p:spPr>
-          <a:xfrm flipH="1" flipV="1">
-            <a:off x="4788024" y="1957482"/>
-            <a:ext cx="2304256" cy="103366"/>
-          </a:xfrm>
-          <a:prstGeom prst="straightConnector1">
-            <a:avLst/>
-          </a:prstGeom>
-          <a:ln w="12700">
-            <a:solidFill>
-              <a:schemeClr val="tx2"/>
-            </a:solidFill>
-            <a:tailEnd type="arrow"/>
-          </a:ln>
-        </p:spPr>
-        <p:style>
-          <a:lnRef idx="1">
-            <a:schemeClr val="accent1"/>
-          </a:lnRef>
-          <a:fillRef idx="0">
-            <a:schemeClr val="accent1"/>
-          </a:fillRef>
-          <a:effectRef idx="0">
-            <a:schemeClr val="accent1"/>
-          </a:effectRef>
-          <a:fontRef idx="minor">
-            <a:schemeClr val="tx1"/>
-          </a:fontRef>
-        </p:style>
-      </p:cxnSp>
-      <p:cxnSp>
-        <p:nvCxnSpPr>
-          <p:cNvPr id="111619" name="Straight Arrow Connector 111618"/>
-          <p:cNvCxnSpPr/>
-          <p:nvPr/>
-        </p:nvCxnSpPr>
-        <p:spPr>
-          <a:xfrm flipH="1">
-            <a:off x="5051132" y="2492896"/>
-            <a:ext cx="1897132" cy="432048"/>
-          </a:xfrm>
-          <a:prstGeom prst="straightConnector1">
-            <a:avLst/>
-          </a:prstGeom>
-          <a:ln w="12700">
-            <a:solidFill>
-              <a:schemeClr val="tx1"/>
-            </a:solidFill>
-            <a:tailEnd type="arrow"/>
-          </a:ln>
-        </p:spPr>
-        <p:style>
-          <a:lnRef idx="1">
-            <a:schemeClr val="accent1"/>
-          </a:lnRef>
-          <a:fillRef idx="0">
-            <a:schemeClr val="accent1"/>
-          </a:fillRef>
-          <a:effectRef idx="0">
-            <a:schemeClr val="accent1"/>
-          </a:effectRef>
-          <a:fontRef idx="minor">
-            <a:schemeClr val="tx1"/>
-          </a:fontRef>
-        </p:style>
-      </p:cxnSp>
-      <p:cxnSp>
-        <p:nvCxnSpPr>
-          <p:cNvPr id="111621" name="Straight Arrow Connector 111620"/>
-          <p:cNvCxnSpPr/>
-          <p:nvPr/>
-        </p:nvCxnSpPr>
-        <p:spPr>
-          <a:xfrm flipH="1">
-            <a:off x="5627196" y="2708920"/>
-            <a:ext cx="1465084" cy="1152128"/>
-          </a:xfrm>
-          <a:prstGeom prst="straightConnector1">
-            <a:avLst/>
-          </a:prstGeom>
-          <a:ln w="12700">
-            <a:solidFill>
-              <a:schemeClr val="tx1"/>
-            </a:solidFill>
-            <a:tailEnd type="arrow"/>
-          </a:ln>
-        </p:spPr>
-        <p:style>
-          <a:lnRef idx="1">
-            <a:schemeClr val="accent1"/>
-          </a:lnRef>
-          <a:fillRef idx="0">
-            <a:schemeClr val="accent1"/>
-          </a:fillRef>
-          <a:effectRef idx="0">
-            <a:schemeClr val="accent1"/>
-          </a:effectRef>
-          <a:fontRef idx="minor">
-            <a:schemeClr val="tx1"/>
-          </a:fontRef>
-        </p:style>
-      </p:cxnSp>
     </p:spTree>
     <p:extLst>
       <p:ext uri="{BB962C8B-B14F-4D97-AF65-F5344CB8AC3E}">
-        <p14:creationId xmlns:p14="http://schemas.microsoft.com/office/powerpoint/2010/main" val="1358148037"/>
+        <p14:creationId xmlns:p14="http://schemas.microsoft.com/office/powerpoint/2010/main" val="32606129"/>
       </p:ext>
     </p:extLst>
   </p:cSld>
@@ -41902,8 +40681,8 @@
         </p:nvSpPr>
         <p:spPr>
           <a:xfrm>
-            <a:off x="3079446" y="476672"/>
-            <a:ext cx="2985113" cy="584775"/>
+            <a:off x="3841675" y="476672"/>
+            <a:ext cx="1460657" cy="584775"/>
           </a:xfrm>
           <a:prstGeom prst="rect">
             <a:avLst/>
@@ -41919,7 +40698,7 @@
             <a:pPr algn="ctr"/>
             <a:r>
               <a:rPr lang="en-GB" sz="3200" dirty="0" smtClean="0"/>
-              <a:t>Implementation</a:t>
+              <a:t>Rollout</a:t>
             </a:r>
             <a:endParaRPr lang="en-GB" sz="3200" dirty="0"/>
           </a:p>
@@ -41933,8 +40712,8 @@
         </p:nvSpPr>
         <p:spPr>
           <a:xfrm>
-            <a:off x="1475656" y="1268760"/>
-            <a:ext cx="7128792" cy="3200876"/>
+            <a:off x="2123728" y="1268760"/>
+            <a:ext cx="6048672" cy="3539430"/>
           </a:xfrm>
           <a:prstGeom prst="rect">
             <a:avLst/>
@@ -41947,82 +40726,45 @@
           </a:bodyPr>
           <a:lstStyle/>
           <a:p>
+            <a:pPr marL="285750" lvl="0" indent="-285750">
+              <a:buFont typeface="Arial" panose="020B0604020202020204" pitchFamily="34" charset="0"/>
+              <a:buChar char="•"/>
+            </a:pPr>
+            <a:r>
+              <a:rPr lang="en-GB" sz="1600" dirty="0" smtClean="0"/>
+              <a:t>Due to extensive effort from Simon Heybrock, </a:t>
+            </a:r>
+            <a:r>
+              <a:rPr lang="en-GB" sz="1600" dirty="0"/>
+              <a:t>DetectorInfo rolled out </a:t>
+            </a:r>
+            <a:r>
+              <a:rPr lang="en-GB" sz="1600" dirty="0" smtClean="0"/>
+              <a:t>first. Required </a:t>
+            </a:r>
+            <a:r>
+              <a:rPr lang="en-GB" sz="1600" dirty="0"/>
+              <a:t>work with parts of Instrument 1.0 in complex ways. Whole dev team helped upgrade Mantid </a:t>
+            </a:r>
+            <a:r>
+              <a:rPr lang="en-GB" sz="1600" dirty="0" smtClean="0"/>
+              <a:t>codebase </a:t>
+            </a:r>
+            <a:r>
+              <a:rPr lang="en-GB" sz="1600" dirty="0"/>
+              <a:t>to use DetectorInfo</a:t>
+            </a:r>
+            <a:r>
+              <a:rPr lang="en-GB" sz="1600" dirty="0" smtClean="0"/>
+              <a:t>.</a:t>
+            </a:r>
+          </a:p>
+          <a:p>
             <a:pPr marL="285750" indent="-285750">
               <a:buFont typeface="Arial" panose="020B0604020202020204" pitchFamily="34" charset="0"/>
               <a:buChar char="•"/>
             </a:pPr>
-            <a:r>
-              <a:rPr lang="en-GB" dirty="0" smtClean="0"/>
-              <a:t>Within the codebase there currently exist 2 </a:t>
-            </a:r>
-            <a:r>
-              <a:rPr lang="en-GB" dirty="0" err="1" smtClean="0"/>
-              <a:t>layes</a:t>
-            </a:r>
-            <a:r>
-              <a:rPr lang="en-GB" dirty="0" smtClean="0"/>
-              <a:t>:</a:t>
-            </a:r>
-          </a:p>
-          <a:p>
-            <a:pPr lvl="1"/>
-            <a:r>
-              <a:rPr lang="en-GB" sz="1400" dirty="0" smtClean="0">
-                <a:latin typeface="Consolas" panose="020B0609020204030204" pitchFamily="49" charset="0"/>
-              </a:rPr>
-              <a:t>Beamline::ComponentInfo</a:t>
-            </a:r>
-          </a:p>
-          <a:p>
-            <a:pPr lvl="1"/>
-            <a:r>
-              <a:rPr lang="en-GB" sz="1400" dirty="0" smtClean="0">
-                <a:latin typeface="Consolas" panose="020B0609020204030204" pitchFamily="49" charset="0"/>
-              </a:rPr>
-              <a:t>Beamline::DetectorInfo</a:t>
-            </a:r>
-          </a:p>
-          <a:p>
-            <a:pPr lvl="1"/>
-            <a:r>
-              <a:rPr lang="en-GB" sz="1400" dirty="0" smtClean="0">
-                <a:latin typeface="Consolas" panose="020B0609020204030204" pitchFamily="49" charset="0"/>
-              </a:rPr>
-              <a:t>Beamline::SpectrumInfo</a:t>
-            </a:r>
-          </a:p>
-          <a:p>
-            <a:r>
-              <a:rPr lang="en-GB" dirty="0" smtClean="0"/>
-              <a:t>    and</a:t>
-            </a:r>
-          </a:p>
-          <a:p>
-            <a:pPr lvl="1"/>
-            <a:r>
-              <a:rPr lang="en-GB" sz="1400" dirty="0" smtClean="0">
-                <a:latin typeface="Consolas" panose="020B0609020204030204" pitchFamily="49" charset="0"/>
-              </a:rPr>
-              <a:t>Geometry::ComponentInfo</a:t>
-            </a:r>
-          </a:p>
-          <a:p>
-            <a:pPr lvl="1"/>
-            <a:r>
-              <a:rPr lang="en-GB" sz="1400" dirty="0" smtClean="0">
-                <a:latin typeface="Consolas" panose="020B0609020204030204" pitchFamily="49" charset="0"/>
-              </a:rPr>
-              <a:t>Geometry::DetectorInfo</a:t>
-            </a:r>
-          </a:p>
-          <a:p>
-            <a:pPr lvl="1"/>
-            <a:r>
-              <a:rPr lang="en-GB" sz="1400" dirty="0" smtClean="0">
-                <a:latin typeface="Consolas" panose="020B0609020204030204" pitchFamily="49" charset="0"/>
-              </a:rPr>
-              <a:t>Geometry::SpectrumInfo</a:t>
-            </a:r>
+            <a:endParaRPr lang="en-GB" sz="1600" dirty="0" smtClean="0"/>
           </a:p>
           <a:p>
             <a:pPr marL="285750" indent="-285750">
@@ -42030,7 +40772,56 @@
               <a:buChar char="•"/>
             </a:pPr>
             <a:r>
-              <a:rPr lang="en-GB" dirty="0" smtClean="0">
+              <a:rPr lang="en-GB" sz="1600" dirty="0" smtClean="0"/>
+              <a:t>ComponentInfo </a:t>
+            </a:r>
+            <a:r>
+              <a:rPr lang="en-GB" sz="1600" dirty="0"/>
+              <a:t>rolled out second alongside better mechanisms for Instrument 1.0 -&gt; Instrument 2.0 conversions. Second phase allowed a clean-up for the first</a:t>
+            </a:r>
+            <a:r>
+              <a:rPr lang="en-GB" sz="1600" dirty="0" smtClean="0"/>
+              <a:t>.</a:t>
+            </a:r>
+            <a:endParaRPr lang="en-GB" sz="1600" dirty="0" smtClean="0">
+              <a:effectLst/>
+            </a:endParaRPr>
+          </a:p>
+          <a:p>
+            <a:pPr marL="285750" indent="-285750">
+              <a:buFont typeface="Arial" panose="020B0604020202020204" pitchFamily="34" charset="0"/>
+              <a:buChar char="•"/>
+            </a:pPr>
+            <a:endParaRPr lang="en-GB" sz="1600" dirty="0" smtClean="0"/>
+          </a:p>
+          <a:p>
+            <a:pPr marL="285750" indent="-285750">
+              <a:buFont typeface="Arial" panose="020B0604020202020204" pitchFamily="34" charset="0"/>
+              <a:buChar char="•"/>
+            </a:pPr>
+            <a:r>
+              <a:rPr lang="en-GB" sz="1600" dirty="0" smtClean="0"/>
+              <a:t>Performance test monitoring was performed weekly to ensure changes did not an adverse impact on Mantid performance.</a:t>
+            </a:r>
+          </a:p>
+          <a:p>
+            <a:endParaRPr lang="en-GB" sz="1600" dirty="0" smtClean="0">
+              <a:effectLst>
+                <a:outerShdw blurRad="50800" dist="50800" dir="5400000" algn="ctr" rotWithShape="0">
+                  <a:schemeClr val="bg1"/>
+                </a:outerShdw>
+              </a:effectLst>
+              <a:latin typeface="Arial" panose="020B0604020202020204" pitchFamily="34" charset="0"/>
+              <a:cs typeface="Arial" panose="020B0604020202020204" pitchFamily="34" charset="0"/>
+            </a:endParaRPr>
+          </a:p>
+          <a:p>
+            <a:pPr marL="285750" indent="-285750">
+              <a:buFont typeface="Arial" panose="020B0604020202020204" pitchFamily="34" charset="0"/>
+              <a:buChar char="•"/>
+            </a:pPr>
+            <a:r>
+              <a:rPr lang="en-GB" sz="1600" dirty="0" smtClean="0">
                 <a:effectLst>
                   <a:outerShdw blurRad="50800" dist="50800" dir="5400000" algn="ctr" rotWithShape="0">
                     <a:schemeClr val="bg1"/>
@@ -42039,58 +40830,10 @@
                 <a:latin typeface="Arial" panose="020B0604020202020204" pitchFamily="34" charset="0"/>
                 <a:cs typeface="Arial" panose="020B0604020202020204" pitchFamily="34" charset="0"/>
               </a:rPr>
-              <a:t>Currently all </a:t>
-            </a:r>
-            <a:r>
-              <a:rPr lang="en-GB" sz="1400" dirty="0" smtClean="0">
-                <a:effectLst>
-                  <a:outerShdw blurRad="50800" dist="50800" dir="5400000" algn="ctr" rotWithShape="0">
-                    <a:schemeClr val="bg1"/>
-                  </a:outerShdw>
-                </a:effectLst>
-                <a:latin typeface="Consolas" panose="020B0609020204030204" pitchFamily="49" charset="0"/>
-                <a:cs typeface="Arial" panose="020B0604020202020204" pitchFamily="34" charset="0"/>
-              </a:rPr>
-              <a:t>*info </a:t>
-            </a:r>
-            <a:r>
-              <a:rPr lang="en-GB" dirty="0" smtClean="0">
-                <a:effectLst>
-                  <a:outerShdw blurRad="50800" dist="50800" dir="5400000" algn="ctr" rotWithShape="0">
-                    <a:schemeClr val="bg1"/>
-                  </a:outerShdw>
-                </a:effectLst>
-                <a:latin typeface="Arial" panose="020B0604020202020204" pitchFamily="34" charset="0"/>
-                <a:cs typeface="Arial" panose="020B0604020202020204" pitchFamily="34" charset="0"/>
-              </a:rPr>
-              <a:t>objects are in compatibility mode and are built by parsing Instrument 1.0 in the </a:t>
-            </a:r>
-            <a:r>
-              <a:rPr lang="en-GB" sz="1400" dirty="0" err="1" smtClean="0">
-                <a:effectLst>
-                  <a:outerShdw blurRad="50800" dist="50800" dir="5400000" algn="ctr" rotWithShape="0">
-                    <a:schemeClr val="bg1"/>
-                  </a:outerShdw>
-                </a:effectLst>
-                <a:latin typeface="Consolas" panose="020B0609020204030204" pitchFamily="49" charset="0"/>
-                <a:cs typeface="Arial" panose="020B0604020202020204" pitchFamily="34" charset="0"/>
-              </a:rPr>
-              <a:t>InstrumentVisitor</a:t>
-            </a:r>
-            <a:endParaRPr lang="en-GB" dirty="0" smtClean="0">
-              <a:effectLst>
-                <a:outerShdw blurRad="50800" dist="50800" dir="5400000" algn="ctr" rotWithShape="0">
-                  <a:schemeClr val="bg1"/>
-                </a:outerShdw>
-              </a:effectLst>
-              <a:latin typeface="Arial" panose="020B0604020202020204" pitchFamily="34" charset="0"/>
-              <a:cs typeface="Arial" panose="020B0604020202020204" pitchFamily="34" charset="0"/>
-            </a:endParaRPr>
-          </a:p>
-          <a:p>
-            <a:pPr lvl="1"/>
-            <a:r>
-              <a:rPr lang="en-GB" sz="1400" dirty="0" smtClean="0">
+              <a:t>Minimized issues by delaying merging until the start of dev cycles.</a:t>
+            </a:r>
+            <a:r>
+              <a:rPr lang="en-GB" sz="1600" dirty="0" smtClean="0">
                 <a:solidFill>
                   <a:srgbClr val="FF0000"/>
                 </a:solidFill>
@@ -42103,28 +40846,77 @@
               </a:rPr>
               <a:t> </a:t>
             </a:r>
-            <a:endParaRPr lang="en-GB" sz="1400" dirty="0" smtClean="0"/>
-          </a:p>
-          <a:p>
-            <a:pPr lvl="1"/>
-            <a:r>
-              <a:rPr lang="en-GB" sz="1400" dirty="0" smtClean="0">
-                <a:solidFill>
-                  <a:srgbClr val="FF0000"/>
-                </a:solidFill>
-                <a:effectLst>
-                  <a:outerShdw blurRad="50800" dist="50800" dir="5400000" algn="ctr" rotWithShape="0">
-                    <a:schemeClr val="bg1"/>
-                  </a:outerShdw>
-                </a:effectLst>
-                <a:latin typeface="Consolas" panose="020B0609020204030204" pitchFamily="49" charset="0"/>
-              </a:rPr>
-              <a:t> </a:t>
-            </a:r>
-            <a:endParaRPr lang="en-GB" sz="1400" dirty="0" smtClean="0"/>
-          </a:p>
-          <a:p>
-            <a:pPr lvl="1"/>
+            <a:endParaRPr lang="en-GB" sz="1600" dirty="0" smtClean="0"/>
+          </a:p>
+        </p:txBody>
+      </p:sp>
+      <p:pic>
+        <p:nvPicPr>
+          <p:cNvPr id="4" name="Picture 2" descr="C:\Users\bpe14858\Pictures\png-signpost-signpost-icon-1600.png"/>
+          <p:cNvPicPr>
+            <a:picLocks noChangeAspect="1" noChangeArrowheads="1"/>
+          </p:cNvPicPr>
+          <p:nvPr/>
+        </p:nvPicPr>
+        <p:blipFill>
+          <a:blip r:embed="rId3" cstate="print">
+            <a:extLst>
+              <a:ext uri="{28A0092B-C50C-407E-A947-70E740481C1C}">
+                <a14:useLocalDpi xmlns:a14="http://schemas.microsoft.com/office/drawing/2010/main" val="0"/>
+              </a:ext>
+            </a:extLst>
+          </a:blip>
+          <a:srcRect/>
+          <a:stretch>
+            <a:fillRect/>
+          </a:stretch>
+        </p:blipFill>
+        <p:spPr bwMode="auto">
+          <a:xfrm>
+            <a:off x="179512" y="1061447"/>
+            <a:ext cx="2088232" cy="2088232"/>
+          </a:xfrm>
+          <a:prstGeom prst="rect">
+            <a:avLst/>
+          </a:prstGeom>
+          <a:noFill/>
+          <a:extLst>
+            <a:ext uri="{909E8E84-426E-40DD-AFC4-6F175D3DCCD1}">
+              <a14:hiddenFill xmlns:a14="http://schemas.microsoft.com/office/drawing/2010/main">
+                <a:solidFill>
+                  <a:srgbClr val="FFFFFF"/>
+                </a:solidFill>
+              </a14:hiddenFill>
+            </a:ext>
+          </a:extLst>
+        </p:spPr>
+      </p:pic>
+      <p:sp>
+        <p:nvSpPr>
+          <p:cNvPr id="5" name="TextBox 4"/>
+          <p:cNvSpPr txBox="1"/>
+          <p:nvPr/>
+        </p:nvSpPr>
+        <p:spPr>
+          <a:xfrm>
+            <a:off x="596508" y="1521820"/>
+            <a:ext cx="902811" cy="369332"/>
+          </a:xfrm>
+          <a:prstGeom prst="rect">
+            <a:avLst/>
+          </a:prstGeom>
+          <a:noFill/>
+        </p:spPr>
+        <p:txBody>
+          <a:bodyPr wrap="none" rtlCol="0">
+            <a:spAutoFit/>
+          </a:bodyPr>
+          <a:lstStyle/>
+          <a:p>
+            <a:r>
+              <a:rPr lang="en-GB" dirty="0" smtClean="0"/>
+              <a:t>Rollout</a:t>
+            </a:r>
             <a:endParaRPr lang="en-GB" dirty="0"/>
           </a:p>
         </p:txBody>
@@ -42132,7 +40924,7 @@
     </p:spTree>
     <p:extLst>
       <p:ext uri="{BB962C8B-B14F-4D97-AF65-F5344CB8AC3E}">
-        <p14:creationId xmlns:p14="http://schemas.microsoft.com/office/powerpoint/2010/main" val="32606129"/>
+        <p14:creationId xmlns:p14="http://schemas.microsoft.com/office/powerpoint/2010/main" val="2273792016"/>
       </p:ext>
     </p:extLst>
   </p:cSld>
@@ -42205,8 +40997,8 @@
         </p:nvSpPr>
         <p:spPr>
           <a:xfrm>
-            <a:off x="2123728" y="1268760"/>
-            <a:ext cx="6048672" cy="3539430"/>
+            <a:off x="1619672" y="1401738"/>
+            <a:ext cx="6048672" cy="2308324"/>
           </a:xfrm>
           <a:prstGeom prst="rect">
             <a:avLst/>
@@ -42224,200 +41016,33 @@
               <a:buChar char="•"/>
             </a:pPr>
             <a:r>
-              <a:rPr lang="en-GB" sz="1600" dirty="0" smtClean="0"/>
-              <a:t>Due to extensive effort from Simon Heybrock, </a:t>
-            </a:r>
-            <a:r>
-              <a:rPr lang="en-GB" sz="1600" dirty="0"/>
-              <a:t>DetectorInfo rolled out </a:t>
-            </a:r>
-            <a:r>
-              <a:rPr lang="en-GB" sz="1600" dirty="0" smtClean="0"/>
-              <a:t>first. Required </a:t>
-            </a:r>
-            <a:r>
-              <a:rPr lang="en-GB" sz="1600" dirty="0"/>
-              <a:t>work with parts of Instrument 1.0 in complex ways. Whole dev team helped upgrade Mantid </a:t>
-            </a:r>
-            <a:r>
-              <a:rPr lang="en-GB" sz="1600" dirty="0" smtClean="0"/>
-              <a:t>codebase </a:t>
-            </a:r>
-            <a:r>
-              <a:rPr lang="en-GB" sz="1600" dirty="0"/>
-              <a:t>to use DetectorInfo</a:t>
-            </a:r>
-            <a:r>
-              <a:rPr lang="en-GB" sz="1600" dirty="0" smtClean="0"/>
-              <a:t>.</a:t>
-            </a:r>
-          </a:p>
-          <a:p>
-            <a:pPr marL="285750" indent="-285750">
+              <a:rPr lang="en-GB" dirty="0" smtClean="0"/>
+              <a:t>Some performance issues needed to be resolved urgently for users who were dependent on nightly builds.</a:t>
+            </a:r>
+          </a:p>
+          <a:p>
+            <a:pPr marL="285750" lvl="0" indent="-285750">
               <a:buFont typeface="Arial" panose="020B0604020202020204" pitchFamily="34" charset="0"/>
               <a:buChar char="•"/>
             </a:pPr>
-            <a:endParaRPr lang="en-GB" sz="1600" dirty="0" smtClean="0"/>
-          </a:p>
-          <a:p>
-            <a:pPr marL="285750" indent="-285750">
+            <a:endParaRPr lang="en-GB" dirty="0"/>
+          </a:p>
+          <a:p>
+            <a:pPr marL="285750" lvl="0" indent="-285750">
               <a:buFont typeface="Arial" panose="020B0604020202020204" pitchFamily="34" charset="0"/>
               <a:buChar char="•"/>
             </a:pPr>
             <a:r>
-              <a:rPr lang="en-GB" sz="1600" dirty="0" smtClean="0"/>
-              <a:t>ComponentInfo </a:t>
-            </a:r>
-            <a:r>
-              <a:rPr lang="en-GB" sz="1600" dirty="0"/>
-              <a:t>rolled out second alongside better mechanisms for Instrument 1.0 -&gt; Instrument 2.0 conversions. Second phase allowed a clean-up for the first</a:t>
-            </a:r>
-            <a:r>
-              <a:rPr lang="en-GB" sz="1600" dirty="0" smtClean="0"/>
-              <a:t>.</a:t>
-            </a:r>
-            <a:endParaRPr lang="en-GB" sz="1600" dirty="0" smtClean="0">
-              <a:effectLst/>
-            </a:endParaRPr>
-          </a:p>
-          <a:p>
-            <a:pPr marL="285750" indent="-285750">
-              <a:buFont typeface="Arial" panose="020B0604020202020204" pitchFamily="34" charset="0"/>
-              <a:buChar char="•"/>
-            </a:pPr>
-            <a:endParaRPr lang="en-GB" sz="1600" dirty="0" smtClean="0"/>
-          </a:p>
-          <a:p>
-            <a:pPr marL="285750" indent="-285750">
-              <a:buFont typeface="Arial" panose="020B0604020202020204" pitchFamily="34" charset="0"/>
-              <a:buChar char="•"/>
-            </a:pPr>
-            <a:r>
-              <a:rPr lang="en-GB" sz="1600" dirty="0" smtClean="0"/>
-              <a:t>Performance test monitoring was performed weekly to ensure changes did not an adverse impact on Mantid performance.</a:t>
-            </a:r>
-          </a:p>
-          <a:p>
-            <a:endParaRPr lang="en-GB" sz="1600" dirty="0" smtClean="0">
-              <a:effectLst>
-                <a:outerShdw blurRad="50800" dist="50800" dir="5400000" algn="ctr" rotWithShape="0">
-                  <a:schemeClr val="bg1"/>
-                </a:outerShdw>
-              </a:effectLst>
-              <a:latin typeface="Arial" panose="020B0604020202020204" pitchFamily="34" charset="0"/>
-              <a:cs typeface="Arial" panose="020B0604020202020204" pitchFamily="34" charset="0"/>
-            </a:endParaRPr>
-          </a:p>
-          <a:p>
-            <a:pPr marL="285750" indent="-285750">
-              <a:buFont typeface="Arial" panose="020B0604020202020204" pitchFamily="34" charset="0"/>
-              <a:buChar char="•"/>
-            </a:pPr>
-            <a:r>
-              <a:rPr lang="en-GB" sz="1600" dirty="0" smtClean="0">
-                <a:effectLst>
-                  <a:outerShdw blurRad="50800" dist="50800" dir="5400000" algn="ctr" rotWithShape="0">
-                    <a:schemeClr val="bg1"/>
-                  </a:outerShdw>
-                </a:effectLst>
-                <a:latin typeface="Arial" panose="020B0604020202020204" pitchFamily="34" charset="0"/>
-                <a:cs typeface="Arial" panose="020B0604020202020204" pitchFamily="34" charset="0"/>
-              </a:rPr>
-              <a:t>Minimized issues by delaying merging until the start of dev cycles.</a:t>
-            </a:r>
-            <a:r>
-              <a:rPr lang="en-GB" sz="1600" dirty="0" smtClean="0">
-                <a:solidFill>
-                  <a:srgbClr val="FF0000"/>
-                </a:solidFill>
-                <a:effectLst>
-                  <a:outerShdw blurRad="50800" dist="50800" dir="5400000" algn="ctr" rotWithShape="0">
-                    <a:schemeClr val="bg1"/>
-                  </a:outerShdw>
-                </a:effectLst>
-                <a:latin typeface="Consolas" panose="020B0609020204030204" pitchFamily="49" charset="0"/>
-              </a:rPr>
-              <a:t> </a:t>
-            </a:r>
-            <a:endParaRPr lang="en-GB" sz="1600" dirty="0" smtClean="0"/>
-          </a:p>
-        </p:txBody>
-      </p:sp>
-      <p:pic>
-        <p:nvPicPr>
-          <p:cNvPr id="4" name="Picture 2" descr="C:\Users\bpe14858\Pictures\png-signpost-signpost-icon-1600.png"/>
-          <p:cNvPicPr>
-            <a:picLocks noChangeAspect="1" noChangeArrowheads="1"/>
-          </p:cNvPicPr>
-          <p:nvPr/>
-        </p:nvPicPr>
-        <p:blipFill>
-          <a:blip r:embed="rId3" cstate="print">
-            <a:extLst>
-              <a:ext uri="{28A0092B-C50C-407E-A947-70E740481C1C}">
-                <a14:useLocalDpi xmlns:a14="http://schemas.microsoft.com/office/drawing/2010/main" val="0"/>
-              </a:ext>
-            </a:extLst>
-          </a:blip>
-          <a:srcRect/>
-          <a:stretch>
-            <a:fillRect/>
-          </a:stretch>
-        </p:blipFill>
-        <p:spPr bwMode="auto">
-          <a:xfrm>
-            <a:off x="179512" y="1061447"/>
-            <a:ext cx="2088232" cy="2088232"/>
-          </a:xfrm>
-          <a:prstGeom prst="rect">
-            <a:avLst/>
-          </a:prstGeom>
-          <a:noFill/>
-          <a:extLst>
-            <a:ext uri="{909E8E84-426E-40DD-AFC4-6F175D3DCCD1}">
-              <a14:hiddenFill xmlns:a14="http://schemas.microsoft.com/office/drawing/2010/main">
-                <a:solidFill>
-                  <a:srgbClr val="FFFFFF"/>
-                </a:solidFill>
-              </a14:hiddenFill>
-            </a:ext>
-          </a:extLst>
-        </p:spPr>
-      </p:pic>
-      <p:sp>
-        <p:nvSpPr>
-          <p:cNvPr id="5" name="TextBox 4"/>
-          <p:cNvSpPr txBox="1"/>
-          <p:nvPr/>
-        </p:nvSpPr>
-        <p:spPr>
-          <a:xfrm>
-            <a:off x="596508" y="1521820"/>
-            <a:ext cx="902811" cy="369332"/>
-          </a:xfrm>
-          <a:prstGeom prst="rect">
-            <a:avLst/>
-          </a:prstGeom>
-          <a:noFill/>
-        </p:spPr>
-        <p:txBody>
-          <a:bodyPr wrap="none" rtlCol="0">
-            <a:spAutoFit/>
-          </a:bodyPr>
-          <a:lstStyle/>
-          <a:p>
-            <a:r>
               <a:rPr lang="en-GB" dirty="0" smtClean="0"/>
-              <a:t>Rollout</a:t>
-            </a:r>
-            <a:endParaRPr lang="en-GB" dirty="0"/>
+              <a:t>Performance related bounding box calculation were solved thanks to efforts by Owen Arnold which required many new optimizations in the face of design challenges.</a:t>
+            </a:r>
           </a:p>
         </p:txBody>
       </p:sp>
     </p:spTree>
     <p:extLst>
       <p:ext uri="{BB962C8B-B14F-4D97-AF65-F5344CB8AC3E}">
-        <p14:creationId xmlns:p14="http://schemas.microsoft.com/office/powerpoint/2010/main" val="2273792016"/>
+        <p14:creationId xmlns:p14="http://schemas.microsoft.com/office/powerpoint/2010/main" val="2222873942"/>
       </p:ext>
     </p:extLst>
   </p:cSld>
@@ -42484,14 +41109,14 @@
       </p:sp>
       <p:sp>
         <p:nvSpPr>
-          <p:cNvPr id="7" name="TextBox 6"/>
+          <p:cNvPr id="6" name="TextBox 5"/>
           <p:cNvSpPr txBox="1"/>
           <p:nvPr/>
         </p:nvSpPr>
         <p:spPr>
           <a:xfrm>
-            <a:off x="1619672" y="1401738"/>
-            <a:ext cx="6048672" cy="2308324"/>
+            <a:off x="2201287" y="1052736"/>
+            <a:ext cx="4796506" cy="369332"/>
           </a:xfrm>
           <a:prstGeom prst="rect">
             <a:avLst/>
@@ -42499,43 +41124,83 @@
           <a:noFill/>
         </p:spPr>
         <p:txBody>
-          <a:bodyPr wrap="square" rtlCol="0">
+          <a:bodyPr wrap="none" rtlCol="0">
             <a:spAutoFit/>
           </a:bodyPr>
           <a:lstStyle/>
           <a:p>
-            <a:pPr marL="285750" lvl="0" indent="-285750">
-              <a:buFont typeface="Arial" panose="020B0604020202020204" pitchFamily="34" charset="0"/>
-              <a:buChar char="•"/>
-            </a:pPr>
             <a:r>
               <a:rPr lang="en-GB" dirty="0" smtClean="0"/>
-              <a:t>Some performance issues needed to be resolved urgently for users who were dependent on nightly builds.</a:t>
-            </a:r>
-          </a:p>
-          <a:p>
-            <a:pPr marL="285750" lvl="0" indent="-285750">
-              <a:buFont typeface="Arial" panose="020B0604020202020204" pitchFamily="34" charset="0"/>
-              <a:buChar char="•"/>
-            </a:pPr>
-            <a:endParaRPr lang="en-GB" dirty="0"/>
-          </a:p>
-          <a:p>
-            <a:pPr marL="285750" lvl="0" indent="-285750">
-              <a:buFont typeface="Arial" panose="020B0604020202020204" pitchFamily="34" charset="0"/>
-              <a:buChar char="•"/>
-            </a:pPr>
-            <a:r>
-              <a:rPr lang="en-GB" dirty="0" smtClean="0"/>
-              <a:t>Performance related bounding box calculation were solved thanks to efforts by Owen Arnold which required many new optimizations in the face of design challenges.</a:t>
-            </a:r>
-          </a:p>
-        </p:txBody>
-      </p:sp>
+              <a:t>Refactoring Example </a:t>
+            </a:r>
+            <a:r>
+              <a:rPr lang="en-GB" dirty="0" err="1" smtClean="0">
+                <a:latin typeface="Consolas" panose="020B0609020204030204" pitchFamily="49" charset="0"/>
+              </a:rPr>
+              <a:t>SumOverlappingTubes</a:t>
+            </a:r>
+            <a:endParaRPr lang="en-GB" dirty="0">
+              <a:latin typeface="Consolas" panose="020B0609020204030204" pitchFamily="49" charset="0"/>
+            </a:endParaRPr>
+          </a:p>
+        </p:txBody>
+      </p:sp>
+      <p:pic>
+        <p:nvPicPr>
+          <p:cNvPr id="1026" name="Picture 2"/>
+          <p:cNvPicPr>
+            <a:picLocks noChangeAspect="1" noChangeArrowheads="1"/>
+          </p:cNvPicPr>
+          <p:nvPr/>
+        </p:nvPicPr>
+        <p:blipFill rotWithShape="1">
+          <a:blip r:embed="rId3" cstate="print">
+            <a:extLst>
+              <a:ext uri="{28A0092B-C50C-407E-A947-70E740481C1C}">
+                <a14:useLocalDpi xmlns:a14="http://schemas.microsoft.com/office/drawing/2010/main" val="0"/>
+              </a:ext>
+            </a:extLst>
+          </a:blip>
+          <a:srcRect b="4093"/>
+          <a:stretch/>
+        </p:blipFill>
+        <p:spPr bwMode="auto">
+          <a:xfrm>
+            <a:off x="2231426" y="1365145"/>
+            <a:ext cx="4681149" cy="4327443"/>
+          </a:xfrm>
+          <a:prstGeom prst="rect">
+            <a:avLst/>
+          </a:prstGeom>
+          <a:noFill/>
+          <a:ln>
+            <a:noFill/>
+          </a:ln>
+          <a:extLst>
+            <a:ext uri="{909E8E84-426E-40DD-AFC4-6F175D3DCCD1}">
+              <a14:hiddenFill xmlns:a14="http://schemas.microsoft.com/office/drawing/2010/main">
+                <a:solidFill>
+                  <a:schemeClr val="accent1"/>
+                </a:solidFill>
+              </a14:hiddenFill>
+            </a:ext>
+            <a:ext uri="{91240B29-F687-4F45-9708-019B960494DF}">
+              <a14:hiddenLine xmlns:a14="http://schemas.microsoft.com/office/drawing/2010/main" w="9525">
+                <a:solidFill>
+                  <a:schemeClr val="tx1"/>
+                </a:solidFill>
+                <a:miter lim="800000"/>
+                <a:headEnd/>
+                <a:tailEnd/>
+              </a14:hiddenLine>
+            </a:ext>
+          </a:extLst>
+        </p:spPr>
+      </p:pic>
     </p:spTree>
     <p:extLst>
       <p:ext uri="{BB962C8B-B14F-4D97-AF65-F5344CB8AC3E}">
-        <p14:creationId xmlns:p14="http://schemas.microsoft.com/office/powerpoint/2010/main" val="2222873942"/>
+        <p14:creationId xmlns:p14="http://schemas.microsoft.com/office/powerpoint/2010/main" val="3789714222"/>
       </p:ext>
     </p:extLst>
   </p:cSld>
@@ -42577,8 +41242,8 @@
         </p:nvSpPr>
         <p:spPr>
           <a:xfrm>
-            <a:off x="3841675" y="476672"/>
-            <a:ext cx="1460657" cy="584775"/>
+            <a:off x="3888163" y="476672"/>
+            <a:ext cx="1367682" cy="584775"/>
           </a:xfrm>
           <a:prstGeom prst="rect">
             <a:avLst/>
@@ -42594,7 +41259,7 @@
             <a:pPr algn="ctr"/>
             <a:r>
               <a:rPr lang="en-GB" sz="3200" dirty="0" smtClean="0"/>
-              <a:t>Rollout</a:t>
+              <a:t>Future</a:t>
             </a:r>
             <a:endParaRPr lang="en-GB" sz="3200" dirty="0"/>
           </a:p>
@@ -42602,7 +41267,7 @@
       </p:sp>
       <p:pic>
         <p:nvPicPr>
-          <p:cNvPr id="112642" name="Picture 2"/>
+          <p:cNvPr id="10" name="Picture 2" descr="C:\Users\bpe14858\Pictures\png-signpost-signpost-icon-1600.png"/>
           <p:cNvPicPr>
             <a:picLocks noChangeAspect="1" noChangeArrowheads="1"/>
           </p:cNvPicPr>
@@ -42622,100 +41287,65 @@
           </a:stretch>
         </p:blipFill>
         <p:spPr bwMode="auto">
-          <a:xfrm>
-            <a:off x="2224087" y="2172568"/>
-            <a:ext cx="4695825" cy="1527175"/>
+          <a:xfrm flipH="1">
+            <a:off x="6444208" y="1196752"/>
+            <a:ext cx="2088232" cy="2088232"/>
           </a:xfrm>
           <a:prstGeom prst="rect">
             <a:avLst/>
           </a:prstGeom>
           <a:noFill/>
-          <a:ln>
-            <a:noFill/>
-          </a:ln>
           <a:extLst>
             <a:ext uri="{909E8E84-426E-40DD-AFC4-6F175D3DCCD1}">
               <a14:hiddenFill xmlns:a14="http://schemas.microsoft.com/office/drawing/2010/main">
                 <a:solidFill>
-                  <a:schemeClr val="accent1"/>
+                  <a:srgbClr val="FFFFFF"/>
                 </a:solidFill>
               </a14:hiddenFill>
             </a:ext>
-            <a:ext uri="{91240B29-F687-4F45-9708-019B960494DF}">
-              <a14:hiddenLine xmlns:a14="http://schemas.microsoft.com/office/drawing/2010/main" w="9525">
-                <a:solidFill>
-                  <a:schemeClr val="tx1"/>
-                </a:solidFill>
-                <a:miter lim="800000"/>
-                <a:headEnd/>
-                <a:tailEnd/>
-              </a14:hiddenLine>
-            </a:ext>
           </a:extLst>
         </p:spPr>
       </p:pic>
-      <p:pic>
-        <p:nvPicPr>
-          <p:cNvPr id="112643" name="Picture 3"/>
-          <p:cNvPicPr>
-            <a:picLocks noChangeAspect="1" noChangeArrowheads="1"/>
-          </p:cNvPicPr>
+      <p:sp>
+        <p:nvSpPr>
+          <p:cNvPr id="11" name="TextBox 10"/>
+          <p:cNvSpPr txBox="1"/>
           <p:nvPr/>
-        </p:nvPicPr>
-        <p:blipFill rotWithShape="1">
-          <a:blip r:embed="rId4" cstate="print">
-            <a:extLst>
-              <a:ext uri="{28A0092B-C50C-407E-A947-70E740481C1C}">
-                <a14:useLocalDpi xmlns:a14="http://schemas.microsoft.com/office/drawing/2010/main" val="0"/>
-              </a:ext>
-            </a:extLst>
-          </a:blip>
-          <a:srcRect r="1334"/>
-          <a:stretch/>
-        </p:blipFill>
-        <p:spPr bwMode="auto">
-          <a:xfrm>
-            <a:off x="2224087" y="4131791"/>
-            <a:ext cx="4695825" cy="1241425"/>
+        </p:nvSpPr>
+        <p:spPr>
+          <a:xfrm>
+            <a:off x="7164288" y="1628800"/>
+            <a:ext cx="851515" cy="369332"/>
           </a:xfrm>
           <a:prstGeom prst="rect">
             <a:avLst/>
           </a:prstGeom>
           <a:noFill/>
-          <a:ln>
-            <a:noFill/>
-          </a:ln>
-          <a:extLst>
-            <a:ext uri="{909E8E84-426E-40DD-AFC4-6F175D3DCCD1}">
-              <a14:hiddenFill xmlns:a14="http://schemas.microsoft.com/office/drawing/2010/main">
-                <a:solidFill>
-                  <a:schemeClr val="accent1"/>
-                </a:solidFill>
-              </a14:hiddenFill>
-            </a:ext>
-            <a:ext uri="{91240B29-F687-4F45-9708-019B960494DF}">
-              <a14:hiddenLine xmlns:a14="http://schemas.microsoft.com/office/drawing/2010/main" w="9525">
-                <a:solidFill>
-                  <a:schemeClr val="tx1"/>
-                </a:solidFill>
-                <a:miter lim="800000"/>
-                <a:headEnd/>
-                <a:tailEnd/>
-              </a14:hiddenLine>
-            </a:ext>
-          </a:extLst>
-        </p:spPr>
-      </p:pic>
-      <p:sp>
-        <p:nvSpPr>
-          <p:cNvPr id="6" name="TextBox 5"/>
+        </p:spPr>
+        <p:txBody>
+          <a:bodyPr wrap="none" rtlCol="0">
+            <a:spAutoFit/>
+          </a:bodyPr>
+          <a:lstStyle/>
+          <a:p>
+            <a:r>
+              <a:rPr lang="en-GB" dirty="0" smtClean="0"/>
+              <a:t>Future</a:t>
+            </a:r>
+            <a:endParaRPr lang="en-GB" dirty="0"/>
+          </a:p>
+        </p:txBody>
+      </p:sp>
+      <p:sp>
+        <p:nvSpPr>
+          <p:cNvPr id="12" name="TextBox 11"/>
           <p:cNvSpPr txBox="1"/>
           <p:nvPr/>
         </p:nvSpPr>
         <p:spPr>
           <a:xfrm>
-            <a:off x="3408861" y="1196752"/>
-            <a:ext cx="2326278" cy="369332"/>
+            <a:off x="611560" y="1340768"/>
+            <a:ext cx="6048672" cy="3970318"/>
           </a:xfrm>
           <a:prstGeom prst="rect">
             <a:avLst/>
@@ -42723,83 +41353,130 @@
           <a:noFill/>
         </p:spPr>
         <p:txBody>
-          <a:bodyPr wrap="none" rtlCol="0">
+          <a:bodyPr wrap="square" rtlCol="0">
             <a:spAutoFit/>
           </a:bodyPr>
           <a:lstStyle/>
           <a:p>
+            <a:pPr marL="285750" indent="-285750">
+              <a:buFont typeface="Arial" panose="020B0604020202020204" pitchFamily="34" charset="0"/>
+              <a:buChar char="•"/>
+            </a:pPr>
             <a:r>
               <a:rPr lang="en-GB" dirty="0" smtClean="0"/>
-              <a:t>Refactoring Example</a:t>
-            </a:r>
+              <a:t>At this time Instrument 2.0 work has stopped. Some features are now out of scope due to lack of resources:</a:t>
+            </a:r>
+          </a:p>
+          <a:p>
+            <a:pPr marL="285750" indent="-285750">
+              <a:buFont typeface="Arial" panose="020B0604020202020204" pitchFamily="34" charset="0"/>
+              <a:buChar char="•"/>
+            </a:pPr>
+            <a:endParaRPr lang="en-GB" dirty="0" smtClean="0">
+              <a:effectLst/>
+            </a:endParaRPr>
+          </a:p>
+          <a:p>
+            <a:pPr marL="742950" lvl="1" indent="-285750">
+              <a:buFont typeface="Arial" panose="020B0604020202020204" pitchFamily="34" charset="0"/>
+              <a:buChar char="•"/>
+            </a:pPr>
+            <a:r>
+              <a:rPr lang="en-GB" dirty="0" smtClean="0">
+                <a:effectLst/>
+              </a:rPr>
+              <a:t>No definition of beam paths.</a:t>
+            </a:r>
+          </a:p>
+          <a:p>
+            <a:pPr marL="742950" lvl="1" indent="-285750">
+              <a:buFont typeface="Arial" panose="020B0604020202020204" pitchFamily="34" charset="0"/>
+              <a:buChar char="•"/>
+            </a:pPr>
             <a:endParaRPr lang="en-GB" dirty="0"/>
           </a:p>
-        </p:txBody>
-      </p:sp>
-      <p:sp>
-        <p:nvSpPr>
-          <p:cNvPr id="8" name="TextBox 7"/>
-          <p:cNvSpPr txBox="1"/>
-          <p:nvPr/>
-        </p:nvSpPr>
-        <p:spPr>
-          <a:xfrm>
-            <a:off x="2247386" y="1803236"/>
-            <a:ext cx="864339" cy="369332"/>
-          </a:xfrm>
-          <a:prstGeom prst="rect">
-            <a:avLst/>
-          </a:prstGeom>
-          <a:noFill/>
-        </p:spPr>
-        <p:txBody>
-          <a:bodyPr wrap="none" rtlCol="0">
-            <a:spAutoFit/>
-          </a:bodyPr>
-          <a:lstStyle/>
-          <a:p>
+          <a:p>
+            <a:pPr marL="742950" lvl="1" indent="-285750">
+              <a:buFont typeface="Arial" panose="020B0604020202020204" pitchFamily="34" charset="0"/>
+              <a:buChar char="•"/>
+            </a:pPr>
+            <a:r>
+              <a:rPr lang="en-GB" dirty="0" smtClean="0">
+                <a:effectLst/>
+              </a:rPr>
+              <a:t>New file formats for representing geometry.</a:t>
+            </a:r>
+          </a:p>
+          <a:p>
+            <a:pPr marL="742950" lvl="1" indent="-285750">
+              <a:buFont typeface="Arial" panose="020B0604020202020204" pitchFamily="34" charset="0"/>
+              <a:buChar char="•"/>
+            </a:pPr>
+            <a:endParaRPr lang="en-GB" dirty="0"/>
+          </a:p>
+          <a:p>
+            <a:pPr marL="742950" lvl="1" indent="-285750">
+              <a:buFont typeface="Arial" panose="020B0604020202020204" pitchFamily="34" charset="0"/>
+              <a:buChar char="•"/>
+            </a:pPr>
+            <a:r>
+              <a:rPr lang="en-GB" dirty="0" smtClean="0">
+                <a:effectLst/>
+              </a:rPr>
+              <a:t>Extended IDF aspects.</a:t>
+            </a:r>
+          </a:p>
+          <a:p>
+            <a:pPr lvl="1"/>
+            <a:endParaRPr lang="en-GB" dirty="0" smtClean="0"/>
+          </a:p>
+          <a:p>
+            <a:pPr marL="742950" lvl="1" indent="-285750">
+              <a:buFont typeface="Arial" panose="020B0604020202020204" pitchFamily="34" charset="0"/>
+              <a:buChar char="•"/>
+            </a:pPr>
+            <a:r>
+              <a:rPr lang="en-GB" dirty="0"/>
+              <a:t>S</a:t>
+            </a:r>
             <a:r>
               <a:rPr lang="en-GB" dirty="0" smtClean="0"/>
-              <a:t>Before</a:t>
-            </a:r>
-            <a:endParaRPr lang="en-GB" dirty="0"/>
-          </a:p>
-        </p:txBody>
-      </p:sp>
-      <p:sp>
-        <p:nvSpPr>
-          <p:cNvPr id="9" name="TextBox 8"/>
-          <p:cNvSpPr txBox="1"/>
-          <p:nvPr/>
-        </p:nvSpPr>
-        <p:spPr>
-          <a:xfrm>
-            <a:off x="2343565" y="3762459"/>
-            <a:ext cx="671979" cy="369332"/>
-          </a:xfrm>
-          <a:prstGeom prst="rect">
-            <a:avLst/>
-          </a:prstGeom>
-          <a:noFill/>
-        </p:spPr>
-        <p:txBody>
-          <a:bodyPr wrap="none" rtlCol="0">
-            <a:spAutoFit/>
-          </a:bodyPr>
-          <a:lstStyle/>
-          <a:p>
+              <a:t>till need to purge and write parameter map, no new file formats or mechanisms there.</a:t>
+            </a:r>
+          </a:p>
+          <a:p>
+            <a:pPr marL="285750" lvl="0" indent="-285750">
+              <a:buFont typeface="Arial" panose="020B0604020202020204" pitchFamily="34" charset="0"/>
+              <a:buChar char="•"/>
+            </a:pPr>
+            <a:endParaRPr lang="en-GB" dirty="0" smtClean="0"/>
+          </a:p>
+          <a:p>
+            <a:pPr marL="285750" lvl="0" indent="-285750">
+              <a:buFont typeface="Arial" panose="020B0604020202020204" pitchFamily="34" charset="0"/>
+              <a:buChar char="•"/>
+            </a:pPr>
             <a:r>
               <a:rPr lang="en-GB" dirty="0" smtClean="0"/>
-              <a:t>After</a:t>
-            </a:r>
-            <a:endParaRPr lang="en-GB" dirty="0"/>
+              <a:t>Compatibility mode must be removed Geometry::*info.</a:t>
+            </a:r>
+            <a:endParaRPr lang="en-GB" dirty="0" smtClean="0">
+              <a:effectLst/>
+            </a:endParaRPr>
+          </a:p>
+          <a:p>
+            <a:pPr marL="285750" indent="-285750">
+              <a:buFont typeface="Arial" panose="020B0604020202020204" pitchFamily="34" charset="0"/>
+              <a:buChar char="•"/>
+            </a:pPr>
+            <a:endParaRPr lang="en-GB" dirty="0" smtClean="0"/>
           </a:p>
         </p:txBody>
       </p:sp>
     </p:spTree>
     <p:extLst>
       <p:ext uri="{BB962C8B-B14F-4D97-AF65-F5344CB8AC3E}">
-        <p14:creationId xmlns:p14="http://schemas.microsoft.com/office/powerpoint/2010/main" val="3789714222"/>
+        <p14:creationId xmlns:p14="http://schemas.microsoft.com/office/powerpoint/2010/main" val="2639552044"/>
       </p:ext>
     </p:extLst>
   </p:cSld>
@@ -42864,16 +41541,211 @@
           </a:p>
         </p:txBody>
       </p:sp>
+      <p:sp>
+        <p:nvSpPr>
+          <p:cNvPr id="12" name="TextBox 11"/>
+          <p:cNvSpPr txBox="1"/>
+          <p:nvPr/>
+        </p:nvSpPr>
+        <p:spPr>
+          <a:xfrm>
+            <a:off x="755576" y="1700808"/>
+            <a:ext cx="5760640" cy="4524315"/>
+          </a:xfrm>
+          <a:prstGeom prst="rect">
+            <a:avLst/>
+          </a:prstGeom>
+          <a:noFill/>
+        </p:spPr>
+        <p:txBody>
+          <a:bodyPr wrap="square" rtlCol="0">
+            <a:spAutoFit/>
+          </a:bodyPr>
+          <a:lstStyle/>
+          <a:p>
+            <a:pPr marL="285750" indent="-285750">
+              <a:buFont typeface="Arial" panose="020B0604020202020204" pitchFamily="34" charset="0"/>
+              <a:buChar char="•"/>
+            </a:pPr>
+            <a:r>
+              <a:rPr lang="en-GB" sz="1600" dirty="0" smtClean="0"/>
+              <a:t>ESS Requirement for visualisation meant we needed to look into the instrument view performance. </a:t>
+            </a:r>
+          </a:p>
+          <a:p>
+            <a:pPr marL="285750" indent="-285750">
+              <a:buFont typeface="Arial" panose="020B0604020202020204" pitchFamily="34" charset="0"/>
+              <a:buChar char="•"/>
+            </a:pPr>
+            <a:endParaRPr lang="en-GB" sz="1600" dirty="0"/>
+          </a:p>
+          <a:p>
+            <a:pPr marL="285750" indent="-285750">
+              <a:buFont typeface="Arial" panose="020B0604020202020204" pitchFamily="34" charset="0"/>
+              <a:buChar char="•"/>
+            </a:pPr>
+            <a:r>
+              <a:rPr lang="en-GB" sz="1600" dirty="0" smtClean="0">
+                <a:hlinkClick r:id="rId3"/>
+              </a:rPr>
+              <a:t>Survey</a:t>
+            </a:r>
+            <a:r>
+              <a:rPr lang="en-GB" sz="1600" dirty="0" smtClean="0"/>
+              <a:t> carried out in 2017 on performance bottlenecks in the Instrument View. Found 30% of loading time spent on </a:t>
+            </a:r>
+            <a:r>
+              <a:rPr lang="en-GB" sz="1600" dirty="0" err="1" smtClean="0">
+                <a:latin typeface="Consolas" panose="020B0609020204030204" pitchFamily="49" charset="0"/>
+              </a:rPr>
+              <a:t>dynamic_casts</a:t>
+            </a:r>
+            <a:r>
+              <a:rPr lang="en-GB" sz="1600" dirty="0" smtClean="0"/>
+              <a:t>. &gt; 50% of time spent in </a:t>
+            </a:r>
+            <a:r>
+              <a:rPr lang="en-GB" sz="1600" dirty="0" err="1" smtClean="0"/>
+              <a:t>MatrixWorkspace</a:t>
+            </a:r>
+            <a:r>
+              <a:rPr lang="en-GB" sz="1600" dirty="0" smtClean="0"/>
+              <a:t>::</a:t>
+            </a:r>
+            <a:r>
+              <a:rPr lang="en-GB" sz="1600" dirty="0" err="1" smtClean="0"/>
+              <a:t>getInstrument</a:t>
+            </a:r>
+            <a:r>
+              <a:rPr lang="en-GB" sz="1600" dirty="0" smtClean="0"/>
+              <a:t>. </a:t>
+            </a:r>
+            <a:endParaRPr lang="en-GB" sz="1600" dirty="0"/>
+          </a:p>
+          <a:p>
+            <a:pPr marL="285750" indent="-285750">
+              <a:buFont typeface="Arial" panose="020B0604020202020204" pitchFamily="34" charset="0"/>
+              <a:buChar char="•"/>
+            </a:pPr>
+            <a:endParaRPr lang="en-GB" sz="1600" dirty="0" smtClean="0"/>
+          </a:p>
+          <a:p>
+            <a:pPr marL="285750" indent="-285750">
+              <a:buFont typeface="Arial" panose="020B0604020202020204" pitchFamily="34" charset="0"/>
+              <a:buChar char="•"/>
+            </a:pPr>
+            <a:r>
+              <a:rPr lang="en-GB" sz="1600" dirty="0" smtClean="0"/>
+              <a:t>Major refactoring work has started on the instrument view to make use of the new instrument access layers.</a:t>
+            </a:r>
+          </a:p>
+          <a:p>
+            <a:endParaRPr lang="en-GB" sz="1600" dirty="0">
+              <a:effectLst/>
+            </a:endParaRPr>
+          </a:p>
+          <a:p>
+            <a:pPr marL="285750" indent="-285750">
+              <a:buFont typeface="Arial" panose="020B0604020202020204" pitchFamily="34" charset="0"/>
+              <a:buChar char="•"/>
+            </a:pPr>
+            <a:r>
+              <a:rPr lang="en-GB" sz="1600" dirty="0" smtClean="0"/>
+              <a:t>The actor mechanism </a:t>
+            </a:r>
+            <a:r>
+              <a:rPr lang="en-GB" sz="1600" dirty="0" err="1" smtClean="0">
+                <a:latin typeface="Consolas" panose="020B0609020204030204" pitchFamily="49" charset="0"/>
+              </a:rPr>
+              <a:t>ComponentActor</a:t>
+            </a:r>
+            <a:r>
+              <a:rPr lang="en-GB" sz="1600" dirty="0" smtClean="0"/>
+              <a:t>, </a:t>
+            </a:r>
+            <a:r>
+              <a:rPr lang="en-GB" sz="1600" dirty="0" err="1" smtClean="0">
+                <a:latin typeface="Consolas" panose="020B0609020204030204" pitchFamily="49" charset="0"/>
+              </a:rPr>
+              <a:t>ComponentAssemblyActor</a:t>
+            </a:r>
+            <a:r>
+              <a:rPr lang="en-GB" sz="1600" dirty="0" smtClean="0"/>
+              <a:t> etc. have been entirely stripped out.</a:t>
+            </a:r>
+            <a:endParaRPr lang="en-GB" sz="1600" dirty="0">
+              <a:effectLst/>
+            </a:endParaRPr>
+          </a:p>
+          <a:p>
+            <a:pPr marL="285750" indent="-285750">
+              <a:buFont typeface="Arial" panose="020B0604020202020204" pitchFamily="34" charset="0"/>
+              <a:buChar char="•"/>
+            </a:pPr>
+            <a:endParaRPr lang="en-GB" sz="1600" dirty="0" smtClean="0"/>
+          </a:p>
+          <a:p>
+            <a:pPr marL="285750" indent="-285750">
+              <a:buFont typeface="Arial" panose="020B0604020202020204" pitchFamily="34" charset="0"/>
+              <a:buChar char="•"/>
+            </a:pPr>
+            <a:r>
+              <a:rPr lang="en-GB" sz="1600" dirty="0" smtClean="0"/>
+              <a:t>Up to 10x loading speed-up so far for large instruments like WISH.</a:t>
+            </a:r>
+            <a:endParaRPr lang="en-GB" sz="1600" dirty="0" smtClean="0">
+              <a:effectLst/>
+            </a:endParaRPr>
+          </a:p>
+          <a:p>
+            <a:pPr marL="285750" indent="-285750">
+              <a:buFont typeface="Arial" panose="020B0604020202020204" pitchFamily="34" charset="0"/>
+              <a:buChar char="•"/>
+            </a:pPr>
+            <a:endParaRPr lang="en-GB" sz="1600" dirty="0" smtClean="0"/>
+          </a:p>
+        </p:txBody>
+      </p:sp>
+      <p:sp>
+        <p:nvSpPr>
+          <p:cNvPr id="6" name="TextBox 5"/>
+          <p:cNvSpPr txBox="1"/>
+          <p:nvPr/>
+        </p:nvSpPr>
+        <p:spPr>
+          <a:xfrm>
+            <a:off x="3654601" y="1196752"/>
+            <a:ext cx="1834798" cy="369332"/>
+          </a:xfrm>
+          <a:prstGeom prst="rect">
+            <a:avLst/>
+          </a:prstGeom>
+          <a:noFill/>
+        </p:spPr>
+        <p:txBody>
+          <a:bodyPr wrap="none" rtlCol="0">
+            <a:spAutoFit/>
+          </a:bodyPr>
+          <a:lstStyle/>
+          <a:p>
+            <a:r>
+              <a:rPr lang="en-GB" dirty="0" smtClean="0"/>
+              <a:t>Instrument View</a:t>
+            </a:r>
+            <a:endParaRPr lang="en-GB" dirty="0"/>
+          </a:p>
+        </p:txBody>
+      </p:sp>
       <p:pic>
         <p:nvPicPr>
-          <p:cNvPr id="10" name="Picture 2" descr="C:\Users\bpe14858\Pictures\png-signpost-signpost-icon-1600.png"/>
+          <p:cNvPr id="113666" name="Picture 2"/>
           <p:cNvPicPr>
             <a:picLocks noChangeAspect="1" noChangeArrowheads="1"/>
           </p:cNvPicPr>
           <p:nvPr/>
         </p:nvPicPr>
         <p:blipFill>
-          <a:blip r:embed="rId3" cstate="print">
+          <a:blip r:embed="rId4" cstate="print">
             <a:extLst>
               <a:ext uri="{28A0092B-C50C-407E-A947-70E740481C1C}">
                 <a14:useLocalDpi xmlns:a14="http://schemas.microsoft.com/office/drawing/2010/main" val="0"/>
@@ -42886,196 +41758,42 @@
           </a:stretch>
         </p:blipFill>
         <p:spPr bwMode="auto">
-          <a:xfrm flipH="1">
-            <a:off x="6444208" y="1196752"/>
-            <a:ext cx="2088232" cy="2088232"/>
+          <a:xfrm>
+            <a:off x="6516216" y="1772816"/>
+            <a:ext cx="2592288" cy="2262733"/>
           </a:xfrm>
           <a:prstGeom prst="rect">
             <a:avLst/>
           </a:prstGeom>
           <a:noFill/>
+          <a:ln>
+            <a:noFill/>
+          </a:ln>
           <a:extLst>
             <a:ext uri="{909E8E84-426E-40DD-AFC4-6F175D3DCCD1}">
               <a14:hiddenFill xmlns:a14="http://schemas.microsoft.com/office/drawing/2010/main">
                 <a:solidFill>
-                  <a:srgbClr val="FFFFFF"/>
+                  <a:schemeClr val="accent1"/>
                 </a:solidFill>
               </a14:hiddenFill>
             </a:ext>
+            <a:ext uri="{91240B29-F687-4F45-9708-019B960494DF}">
+              <a14:hiddenLine xmlns:a14="http://schemas.microsoft.com/office/drawing/2010/main" w="9525">
+                <a:solidFill>
+                  <a:schemeClr val="tx1"/>
+                </a:solidFill>
+                <a:miter lim="800000"/>
+                <a:headEnd/>
+                <a:tailEnd/>
+              </a14:hiddenLine>
+            </a:ext>
           </a:extLst>
         </p:spPr>
       </p:pic>
-      <p:sp>
-        <p:nvSpPr>
-          <p:cNvPr id="11" name="TextBox 10"/>
-          <p:cNvSpPr txBox="1"/>
-          <p:nvPr/>
-        </p:nvSpPr>
-        <p:spPr>
-          <a:xfrm>
-            <a:off x="7164288" y="1628800"/>
-            <a:ext cx="851515" cy="369332"/>
-          </a:xfrm>
-          <a:prstGeom prst="rect">
-            <a:avLst/>
-          </a:prstGeom>
-          <a:noFill/>
-        </p:spPr>
-        <p:txBody>
-          <a:bodyPr wrap="none" rtlCol="0">
-            <a:spAutoFit/>
-          </a:bodyPr>
-          <a:lstStyle/>
-          <a:p>
-            <a:r>
-              <a:rPr lang="en-GB" dirty="0" smtClean="0"/>
-              <a:t>Future</a:t>
-            </a:r>
-            <a:endParaRPr lang="en-GB" dirty="0"/>
-          </a:p>
-        </p:txBody>
-      </p:sp>
-      <p:sp>
-        <p:nvSpPr>
-          <p:cNvPr id="12" name="TextBox 11"/>
-          <p:cNvSpPr txBox="1"/>
-          <p:nvPr/>
-        </p:nvSpPr>
-        <p:spPr>
-          <a:xfrm>
-            <a:off x="611560" y="1340768"/>
-            <a:ext cx="6048672" cy="3970318"/>
-          </a:xfrm>
-          <a:prstGeom prst="rect">
-            <a:avLst/>
-          </a:prstGeom>
-          <a:noFill/>
-        </p:spPr>
-        <p:txBody>
-          <a:bodyPr wrap="square" rtlCol="0">
-            <a:spAutoFit/>
-          </a:bodyPr>
-          <a:lstStyle/>
-          <a:p>
-            <a:pPr marL="285750" indent="-285750">
-              <a:buFont typeface="Arial" panose="020B0604020202020204" pitchFamily="34" charset="0"/>
-              <a:buChar char="•"/>
-            </a:pPr>
-            <a:r>
-              <a:rPr lang="en-GB" dirty="0" smtClean="0"/>
-              <a:t>At this time Instrument 2.0 work has stopped. Some features are now out of scope due to lack of resources:</a:t>
-            </a:r>
-          </a:p>
-          <a:p>
-            <a:pPr marL="285750" indent="-285750">
-              <a:buFont typeface="Arial" panose="020B0604020202020204" pitchFamily="34" charset="0"/>
-              <a:buChar char="•"/>
-            </a:pPr>
-            <a:endParaRPr lang="en-GB" dirty="0" smtClean="0">
-              <a:effectLst/>
-            </a:endParaRPr>
-          </a:p>
-          <a:p>
-            <a:pPr marL="742950" lvl="1" indent="-285750">
-              <a:buFont typeface="Arial" panose="020B0604020202020204" pitchFamily="34" charset="0"/>
-              <a:buChar char="•"/>
-            </a:pPr>
-            <a:r>
-              <a:rPr lang="en-GB" dirty="0" smtClean="0">
-                <a:effectLst/>
-              </a:rPr>
-              <a:t>No definition of beam paths.</a:t>
-            </a:r>
-          </a:p>
-          <a:p>
-            <a:pPr marL="742950" lvl="1" indent="-285750">
-              <a:buFont typeface="Arial" panose="020B0604020202020204" pitchFamily="34" charset="0"/>
-              <a:buChar char="•"/>
-            </a:pPr>
-            <a:endParaRPr lang="en-GB" dirty="0"/>
-          </a:p>
-          <a:p>
-            <a:pPr marL="742950" lvl="1" indent="-285750">
-              <a:buFont typeface="Arial" panose="020B0604020202020204" pitchFamily="34" charset="0"/>
-              <a:buChar char="•"/>
-            </a:pPr>
-            <a:r>
-              <a:rPr lang="en-GB" dirty="0" smtClean="0">
-                <a:effectLst/>
-              </a:rPr>
-              <a:t>New file formats for representing geometry.</a:t>
-            </a:r>
-          </a:p>
-          <a:p>
-            <a:pPr marL="742950" lvl="1" indent="-285750">
-              <a:buFont typeface="Arial" panose="020B0604020202020204" pitchFamily="34" charset="0"/>
-              <a:buChar char="•"/>
-            </a:pPr>
-            <a:endParaRPr lang="en-GB" dirty="0"/>
-          </a:p>
-          <a:p>
-            <a:pPr marL="742950" lvl="1" indent="-285750">
-              <a:buFont typeface="Arial" panose="020B0604020202020204" pitchFamily="34" charset="0"/>
-              <a:buChar char="•"/>
-            </a:pPr>
-            <a:r>
-              <a:rPr lang="en-GB" dirty="0" smtClean="0">
-                <a:effectLst/>
-              </a:rPr>
-              <a:t>Extended IDF aspects.</a:t>
-            </a:r>
-          </a:p>
-          <a:p>
-            <a:pPr lvl="1"/>
-            <a:endParaRPr lang="en-GB" dirty="0" smtClean="0"/>
-          </a:p>
-          <a:p>
-            <a:pPr marL="742950" lvl="1" indent="-285750">
-              <a:buFont typeface="Arial" panose="020B0604020202020204" pitchFamily="34" charset="0"/>
-              <a:buChar char="•"/>
-            </a:pPr>
-            <a:r>
-              <a:rPr lang="en-GB" dirty="0"/>
-              <a:t>S</a:t>
-            </a:r>
-            <a:r>
-              <a:rPr lang="en-GB" dirty="0" smtClean="0"/>
-              <a:t>till need to purge and write parameter map, no new file formats or mechanisms there.</a:t>
-            </a:r>
-          </a:p>
-          <a:p>
-            <a:pPr marL="285750" lvl="0" indent="-285750">
-              <a:buFont typeface="Arial" panose="020B0604020202020204" pitchFamily="34" charset="0"/>
-              <a:buChar char="•"/>
-            </a:pPr>
-            <a:endParaRPr lang="en-GB" dirty="0" smtClean="0"/>
-          </a:p>
-          <a:p>
-            <a:pPr marL="285750" lvl="0" indent="-285750">
-              <a:buFont typeface="Arial" panose="020B0604020202020204" pitchFamily="34" charset="0"/>
-              <a:buChar char="•"/>
-            </a:pPr>
-            <a:r>
-              <a:rPr lang="en-GB" dirty="0" smtClean="0"/>
-              <a:t>Compatibility mode must be removed Geometry::*info.</a:t>
-            </a:r>
-            <a:endParaRPr lang="en-GB" dirty="0" smtClean="0">
-              <a:effectLst/>
-            </a:endParaRPr>
-          </a:p>
-          <a:p>
-            <a:pPr marL="285750" indent="-285750">
-              <a:buFont typeface="Arial" panose="020B0604020202020204" pitchFamily="34" charset="0"/>
-              <a:buChar char="•"/>
-            </a:pPr>
-            <a:endParaRPr lang="en-GB" dirty="0" smtClean="0"/>
-          </a:p>
-        </p:txBody>
-      </p:sp>
     </p:spTree>
     <p:extLst>
       <p:ext uri="{BB962C8B-B14F-4D97-AF65-F5344CB8AC3E}">
-        <p14:creationId xmlns:p14="http://schemas.microsoft.com/office/powerpoint/2010/main" val="2639552044"/>
+        <p14:creationId xmlns:p14="http://schemas.microsoft.com/office/powerpoint/2010/main" val="309195541"/>
       </p:ext>
     </p:extLst>
   </p:cSld>
@@ -43117,323 +41835,6 @@
         </p:nvSpPr>
         <p:spPr>
           <a:xfrm>
-            <a:off x="3888163" y="476672"/>
-            <a:ext cx="1367682" cy="584775"/>
-          </a:xfrm>
-          <a:prstGeom prst="rect">
-            <a:avLst/>
-          </a:prstGeom>
-          <a:noFill/>
-        </p:spPr>
-        <p:txBody>
-          <a:bodyPr wrap="none" rtlCol="0">
-            <a:spAutoFit/>
-          </a:bodyPr>
-          <a:lstStyle/>
-          <a:p>
-            <a:pPr algn="ctr"/>
-            <a:r>
-              <a:rPr lang="en-GB" sz="3200" dirty="0" smtClean="0"/>
-              <a:t>Future</a:t>
-            </a:r>
-            <a:endParaRPr lang="en-GB" sz="3200" dirty="0"/>
-          </a:p>
-        </p:txBody>
-      </p:sp>
-      <p:sp>
-        <p:nvSpPr>
-          <p:cNvPr id="12" name="TextBox 11"/>
-          <p:cNvSpPr txBox="1"/>
-          <p:nvPr/>
-        </p:nvSpPr>
-        <p:spPr>
-          <a:xfrm>
-            <a:off x="755576" y="1700808"/>
-            <a:ext cx="5760640" cy="4524315"/>
-          </a:xfrm>
-          <a:prstGeom prst="rect">
-            <a:avLst/>
-          </a:prstGeom>
-          <a:noFill/>
-        </p:spPr>
-        <p:txBody>
-          <a:bodyPr wrap="square" rtlCol="0">
-            <a:spAutoFit/>
-          </a:bodyPr>
-          <a:lstStyle/>
-          <a:p>
-            <a:pPr marL="285750" indent="-285750">
-              <a:buFont typeface="Arial" panose="020B0604020202020204" pitchFamily="34" charset="0"/>
-              <a:buChar char="•"/>
-            </a:pPr>
-            <a:r>
-              <a:rPr lang="en-GB" sz="1600" dirty="0" smtClean="0"/>
-              <a:t>ESS Requirement for visualisation meant we needed to look into the instrument view performance. </a:t>
-            </a:r>
-          </a:p>
-          <a:p>
-            <a:pPr marL="285750" indent="-285750">
-              <a:buFont typeface="Arial" panose="020B0604020202020204" pitchFamily="34" charset="0"/>
-              <a:buChar char="•"/>
-            </a:pPr>
-            <a:endParaRPr lang="en-GB" sz="1600" dirty="0"/>
-          </a:p>
-          <a:p>
-            <a:pPr marL="285750" indent="-285750">
-              <a:buFont typeface="Arial" panose="020B0604020202020204" pitchFamily="34" charset="0"/>
-              <a:buChar char="•"/>
-            </a:pPr>
-            <a:r>
-              <a:rPr lang="en-GB" sz="1600" dirty="0" smtClean="0">
-                <a:hlinkClick r:id="rId3"/>
-              </a:rPr>
-              <a:t>Survey</a:t>
-            </a:r>
-            <a:r>
-              <a:rPr lang="en-GB" sz="1600" dirty="0" smtClean="0"/>
-              <a:t> carried out in 2017 on performance bottlenecks in the Instrument View. Found 30% of loading time spent on </a:t>
-            </a:r>
-            <a:r>
-              <a:rPr lang="en-GB" sz="1600" dirty="0" err="1" smtClean="0">
-                <a:latin typeface="Consolas" panose="020B0609020204030204" pitchFamily="49" charset="0"/>
-              </a:rPr>
-              <a:t>dynamic_casts</a:t>
-            </a:r>
-            <a:r>
-              <a:rPr lang="en-GB" sz="1600" dirty="0" smtClean="0"/>
-              <a:t>. &gt; 50% of time spent in </a:t>
-            </a:r>
-            <a:r>
-              <a:rPr lang="en-GB" sz="1600" dirty="0" err="1" smtClean="0"/>
-              <a:t>MatrixWorkspace</a:t>
-            </a:r>
-            <a:r>
-              <a:rPr lang="en-GB" sz="1600" dirty="0" smtClean="0"/>
-              <a:t>::</a:t>
-            </a:r>
-            <a:r>
-              <a:rPr lang="en-GB" sz="1600" dirty="0" err="1" smtClean="0"/>
-              <a:t>getInstrument</a:t>
-            </a:r>
-            <a:r>
-              <a:rPr lang="en-GB" sz="1600" dirty="0" smtClean="0"/>
-              <a:t>. </a:t>
-            </a:r>
-            <a:endParaRPr lang="en-GB" sz="1600" dirty="0"/>
-          </a:p>
-          <a:p>
-            <a:pPr marL="285750" indent="-285750">
-              <a:buFont typeface="Arial" panose="020B0604020202020204" pitchFamily="34" charset="0"/>
-              <a:buChar char="•"/>
-            </a:pPr>
-            <a:endParaRPr lang="en-GB" sz="1600" dirty="0" smtClean="0"/>
-          </a:p>
-          <a:p>
-            <a:pPr marL="285750" indent="-285750">
-              <a:buFont typeface="Arial" panose="020B0604020202020204" pitchFamily="34" charset="0"/>
-              <a:buChar char="•"/>
-            </a:pPr>
-            <a:r>
-              <a:rPr lang="en-GB" sz="1600" dirty="0" smtClean="0"/>
-              <a:t>Major refactoring work has started on the instrument view to make use of the new instrument access layers.</a:t>
-            </a:r>
-          </a:p>
-          <a:p>
-            <a:endParaRPr lang="en-GB" sz="1600" dirty="0">
-              <a:effectLst/>
-            </a:endParaRPr>
-          </a:p>
-          <a:p>
-            <a:pPr marL="285750" indent="-285750">
-              <a:buFont typeface="Arial" panose="020B0604020202020204" pitchFamily="34" charset="0"/>
-              <a:buChar char="•"/>
-            </a:pPr>
-            <a:r>
-              <a:rPr lang="en-GB" sz="1600" dirty="0" smtClean="0"/>
-              <a:t>The actor mechanism </a:t>
-            </a:r>
-            <a:r>
-              <a:rPr lang="en-GB" sz="1600" dirty="0" err="1" smtClean="0">
-                <a:latin typeface="Consolas" panose="020B0609020204030204" pitchFamily="49" charset="0"/>
-              </a:rPr>
-              <a:t>ComponentActor</a:t>
-            </a:r>
-            <a:r>
-              <a:rPr lang="en-GB" sz="1600" dirty="0" smtClean="0"/>
-              <a:t>, </a:t>
-            </a:r>
-            <a:r>
-              <a:rPr lang="en-GB" sz="1600" dirty="0" err="1" smtClean="0">
-                <a:latin typeface="Consolas" panose="020B0609020204030204" pitchFamily="49" charset="0"/>
-              </a:rPr>
-              <a:t>ComponentAssemblyActor</a:t>
-            </a:r>
-            <a:r>
-              <a:rPr lang="en-GB" sz="1600" dirty="0" smtClean="0"/>
-              <a:t> etc. have been entirely stripped out.</a:t>
-            </a:r>
-            <a:endParaRPr lang="en-GB" sz="1600" dirty="0">
-              <a:effectLst/>
-            </a:endParaRPr>
-          </a:p>
-          <a:p>
-            <a:pPr marL="285750" indent="-285750">
-              <a:buFont typeface="Arial" panose="020B0604020202020204" pitchFamily="34" charset="0"/>
-              <a:buChar char="•"/>
-            </a:pPr>
-            <a:endParaRPr lang="en-GB" sz="1600" dirty="0" smtClean="0"/>
-          </a:p>
-          <a:p>
-            <a:pPr marL="285750" indent="-285750">
-              <a:buFont typeface="Arial" panose="020B0604020202020204" pitchFamily="34" charset="0"/>
-              <a:buChar char="•"/>
-            </a:pPr>
-            <a:r>
-              <a:rPr lang="en-GB" sz="1600" dirty="0" smtClean="0"/>
-              <a:t>Up to 10x loading speed-up so far for large instruments like WISH.</a:t>
-            </a:r>
-            <a:endParaRPr lang="en-GB" sz="1600" dirty="0" smtClean="0">
-              <a:effectLst/>
-            </a:endParaRPr>
-          </a:p>
-          <a:p>
-            <a:pPr marL="285750" indent="-285750">
-              <a:buFont typeface="Arial" panose="020B0604020202020204" pitchFamily="34" charset="0"/>
-              <a:buChar char="•"/>
-            </a:pPr>
-            <a:endParaRPr lang="en-GB" sz="1600" dirty="0" smtClean="0"/>
-          </a:p>
-        </p:txBody>
-      </p:sp>
-      <p:sp>
-        <p:nvSpPr>
-          <p:cNvPr id="6" name="TextBox 5"/>
-          <p:cNvSpPr txBox="1"/>
-          <p:nvPr/>
-        </p:nvSpPr>
-        <p:spPr>
-          <a:xfrm>
-            <a:off x="3654601" y="1196752"/>
-            <a:ext cx="1834798" cy="369332"/>
-          </a:xfrm>
-          <a:prstGeom prst="rect">
-            <a:avLst/>
-          </a:prstGeom>
-          <a:noFill/>
-        </p:spPr>
-        <p:txBody>
-          <a:bodyPr wrap="none" rtlCol="0">
-            <a:spAutoFit/>
-          </a:bodyPr>
-          <a:lstStyle/>
-          <a:p>
-            <a:r>
-              <a:rPr lang="en-GB" dirty="0" smtClean="0"/>
-              <a:t>Instrument View</a:t>
-            </a:r>
-            <a:endParaRPr lang="en-GB" dirty="0"/>
-          </a:p>
-        </p:txBody>
-      </p:sp>
-      <p:pic>
-        <p:nvPicPr>
-          <p:cNvPr id="113666" name="Picture 2"/>
-          <p:cNvPicPr>
-            <a:picLocks noChangeAspect="1" noChangeArrowheads="1"/>
-          </p:cNvPicPr>
-          <p:nvPr/>
-        </p:nvPicPr>
-        <p:blipFill>
-          <a:blip r:embed="rId4" cstate="print">
-            <a:extLst>
-              <a:ext uri="{28A0092B-C50C-407E-A947-70E740481C1C}">
-                <a14:useLocalDpi xmlns:a14="http://schemas.microsoft.com/office/drawing/2010/main" val="0"/>
-              </a:ext>
-            </a:extLst>
-          </a:blip>
-          <a:srcRect/>
-          <a:stretch>
-            <a:fillRect/>
-          </a:stretch>
-        </p:blipFill>
-        <p:spPr bwMode="auto">
-          <a:xfrm>
-            <a:off x="6516216" y="1772816"/>
-            <a:ext cx="2592288" cy="2262733"/>
-          </a:xfrm>
-          <a:prstGeom prst="rect">
-            <a:avLst/>
-          </a:prstGeom>
-          <a:noFill/>
-          <a:ln>
-            <a:noFill/>
-          </a:ln>
-          <a:extLst>
-            <a:ext uri="{909E8E84-426E-40DD-AFC4-6F175D3DCCD1}">
-              <a14:hiddenFill xmlns:a14="http://schemas.microsoft.com/office/drawing/2010/main">
-                <a:solidFill>
-                  <a:schemeClr val="accent1"/>
-                </a:solidFill>
-              </a14:hiddenFill>
-            </a:ext>
-            <a:ext uri="{91240B29-F687-4F45-9708-019B960494DF}">
-              <a14:hiddenLine xmlns:a14="http://schemas.microsoft.com/office/drawing/2010/main" w="9525">
-                <a:solidFill>
-                  <a:schemeClr val="tx1"/>
-                </a:solidFill>
-                <a:miter lim="800000"/>
-                <a:headEnd/>
-                <a:tailEnd/>
-              </a14:hiddenLine>
-            </a:ext>
-          </a:extLst>
-        </p:spPr>
-      </p:pic>
-    </p:spTree>
-    <p:extLst>
-      <p:ext uri="{BB962C8B-B14F-4D97-AF65-F5344CB8AC3E}">
-        <p14:creationId xmlns:p14="http://schemas.microsoft.com/office/powerpoint/2010/main" val="309195541"/>
-      </p:ext>
-    </p:extLst>
-  </p:cSld>
-  <p:clrMapOvr>
-    <a:masterClrMapping/>
-  </p:clrMapOvr>
-  <p:timing>
-    <p:tnLst>
-      <p:par>
-        <p:cTn id="1" dur="indefinite" restart="never" nodeType="tmRoot"/>
-      </p:par>
-    </p:tnLst>
-  </p:timing>
-</p:sld>
-</file>
-
-<file path=ppt/slides/slide36.xml><?xml version="1.0" encoding="utf-8"?>
-<p:sld xmlns:a="http://schemas.openxmlformats.org/drawingml/2006/main" xmlns:r="http://schemas.openxmlformats.org/officeDocument/2006/relationships" xmlns:p="http://schemas.openxmlformats.org/presentationml/2006/main">
-  <p:cSld>
-    <p:spTree>
-      <p:nvGrpSpPr>
-        <p:cNvPr id="1" name=""/>
-        <p:cNvGrpSpPr/>
-        <p:nvPr/>
-      </p:nvGrpSpPr>
-      <p:grpSpPr>
-        <a:xfrm>
-          <a:off x="0" y="0"/>
-          <a:ext cx="0" cy="0"/>
-          <a:chOff x="0" y="0"/>
-          <a:chExt cx="0" cy="0"/>
-        </a:xfrm>
-      </p:grpSpPr>
-      <p:sp>
-        <p:nvSpPr>
-          <p:cNvPr id="2" name="TextBox 1"/>
-          <p:cNvSpPr txBox="1"/>
-          <p:nvPr/>
-        </p:nvSpPr>
-        <p:spPr>
-          <a:xfrm>
             <a:off x="3171616" y="2564904"/>
             <a:ext cx="2800768" cy="923330"/>
           </a:xfrm>
@@ -43477,7 +41878,7 @@
 </p:sld>
 </file>
 
-<file path=ppt/slides/slide37.xml><?xml version="1.0" encoding="utf-8"?>
+<file path=ppt/slides/slide36.xml><?xml version="1.0" encoding="utf-8"?>
 <p:sld xmlns:a="http://schemas.openxmlformats.org/drawingml/2006/main" xmlns:r="http://schemas.openxmlformats.org/officeDocument/2006/relationships" xmlns:p="http://schemas.openxmlformats.org/presentationml/2006/main">
   <p:cSld>
     <p:spTree>
@@ -44664,11 +43065,7 @@
             </a:pPr>
             <a:r>
               <a:rPr lang="en-GB" dirty="0" smtClean="0"/>
-              <a:t>Visualization </a:t>
-            </a:r>
-            <a:r>
-              <a:rPr lang="en-GB" dirty="0" smtClean="0"/>
-              <a:t>– (Instrument View)</a:t>
+              <a:t>Visualization – (Instrument View)</a:t>
             </a:r>
           </a:p>
           <a:p>
@@ -45186,13 +43583,8 @@
             </a:pPr>
             <a:r>
               <a:rPr lang="en-GB" sz="1600" dirty="0" smtClean="0"/>
-              <a:t>No performance compromises</a:t>
-            </a:r>
-            <a:r>
-              <a:rPr lang="en-GB" sz="1600" dirty="0" smtClean="0"/>
-              <a:t>.</a:t>
-            </a:r>
-            <a:endParaRPr lang="en-GB" sz="1600" dirty="0" smtClean="0"/>
+              <a:t>No performance compromises.</a:t>
+            </a:r>
           </a:p>
         </p:txBody>
       </p:sp>
